--- a/egyetemi_feleves_cuccok/4_szemeszter/adatbé2/előadások/l06.pptx
+++ b/egyetemi_feleves_cuccok/4_szemeszter/adatbé2/előadások/l06.pptx
@@ -220,7 +220,7 @@
           <a:p>
             <a:fld id="{1D8BD707-D9CF-40AE-B4C6-C98DA3205C09}" type="datetimeFigureOut">
               <a:rPr lang="en-US"/>
-              <a:t>3/25/2025</a:t>
+              <a:t>4/14/2025</a:t>
             </a:fld>
             <a:endParaRPr lang="en-US"/>
           </a:p>
@@ -397,7 +397,7 @@
           <a:p>
             <a:fld id="{1D8BD707-D9CF-40AE-B4C6-C98DA3205C09}" type="datetimeFigureOut">
               <a:rPr lang="en-US"/>
-              <a:t>3/25/2025</a:t>
+              <a:t>4/14/2025</a:t>
             </a:fld>
             <a:endParaRPr lang="en-US"/>
           </a:p>
@@ -611,7 +611,7 @@
           <a:p>
             <a:fld id="{1D8BD707-D9CF-40AE-B4C6-C98DA3205C09}" type="datetimeFigureOut">
               <a:rPr lang="en-US"/>
-              <a:t>3/25/2025</a:t>
+              <a:t>4/14/2025</a:t>
             </a:fld>
             <a:endParaRPr lang="en-US"/>
           </a:p>
@@ -759,7 +759,7 @@
           <a:p>
             <a:fld id="{1D8BD707-D9CF-40AE-B4C6-C98DA3205C09}" type="datetimeFigureOut">
               <a:rPr lang="en-US"/>
-              <a:t>3/25/2025</a:t>
+              <a:t>4/14/2025</a:t>
             </a:fld>
             <a:endParaRPr lang="en-US"/>
           </a:p>
@@ -1400,7 +1400,7 @@
           <a:p>
             <a:fld id="{1D8BD707-D9CF-40AE-B4C6-C98DA3205C09}" type="datetimeFigureOut">
               <a:rPr lang="en-US"/>
-              <a:t>3/25/2025</a:t>
+              <a:t>4/14/2025</a:t>
             </a:fld>
             <a:endParaRPr lang="en-US"/>
           </a:p>
@@ -2217,7 +2217,7 @@
           <a:p>
             <a:fld id="{1D8BD707-D9CF-40AE-B4C6-C98DA3205C09}" type="datetimeFigureOut">
               <a:rPr lang="en-US"/>
-              <a:t>3/25/2025</a:t>
+              <a:t>4/14/2025</a:t>
             </a:fld>
             <a:endParaRPr lang="en-US"/>
           </a:p>
@@ -11530,17 +11530,13 @@
                 <a:latin typeface="Georgia"/>
                 <a:cs typeface="Georgia"/>
               </a:rPr>
-              <a:t>fejléc</a:t>
-            </a:r>
-            <a:r>
-              <a:rPr sz="1800" i="1" dirty="0">
-                <a:latin typeface="Georgia"/>
-                <a:cs typeface="Georgia"/>
-              </a:rPr>
-              <a:t>:</a:t>
+              <a:t>fejléc:</a:t>
             </a:r>
             <a:r>
               <a:rPr sz="1800" i="1" spc="-55" dirty="0">
+                <a:highlight>
+                  <a:srgbClr val="FFFF00"/>
+                </a:highlight>
                 <a:latin typeface="Georgia"/>
                 <a:cs typeface="Georgia"/>
               </a:rPr>
@@ -11548,6 +11544,9 @@
             </a:r>
             <a:r>
               <a:rPr sz="1800" dirty="0">
+                <a:highlight>
+                  <a:srgbClr val="FFFF00"/>
+                </a:highlight>
                 <a:latin typeface="Georgia"/>
                 <a:cs typeface="Georgia"/>
               </a:rPr>
@@ -11555,6 +11554,9 @@
             </a:r>
             <a:r>
               <a:rPr sz="1800" spc="-55" dirty="0">
+                <a:highlight>
+                  <a:srgbClr val="FFFF00"/>
+                </a:highlight>
                 <a:latin typeface="Georgia"/>
                 <a:cs typeface="Georgia"/>
               </a:rPr>
@@ -11562,6 +11564,9 @@
             </a:r>
             <a:r>
               <a:rPr sz="1800" dirty="0">
+                <a:highlight>
+                  <a:srgbClr val="FFFF00"/>
+                </a:highlight>
                 <a:latin typeface="Georgia"/>
                 <a:cs typeface="Georgia"/>
               </a:rPr>
@@ -11569,6 +11574,9 @@
             </a:r>
             <a:r>
               <a:rPr sz="1800" spc="-35" dirty="0">
+                <a:highlight>
+                  <a:srgbClr val="FFFF00"/>
+                </a:highlight>
                 <a:latin typeface="Georgia"/>
                 <a:cs typeface="Georgia"/>
               </a:rPr>
@@ -11666,6 +11674,9 @@
                 <a:solidFill>
                   <a:srgbClr val="438085"/>
                 </a:solidFill>
+                <a:highlight>
+                  <a:srgbClr val="FFFF00"/>
+                </a:highlight>
                 <a:latin typeface="Georgia"/>
                 <a:cs typeface="Georgia"/>
               </a:rPr>
@@ -11676,6 +11687,9 @@
                 <a:solidFill>
                   <a:srgbClr val="438085"/>
                 </a:solidFill>
+                <a:highlight>
+                  <a:srgbClr val="FFFF00"/>
+                </a:highlight>
                 <a:latin typeface="Georgia"/>
                 <a:cs typeface="Georgia"/>
               </a:rPr>
@@ -11689,17 +11703,13 @@
                 <a:latin typeface="Georgia"/>
                 <a:cs typeface="Georgia"/>
               </a:rPr>
-              <a:t>adatrekordok</a:t>
-            </a:r>
-            <a:r>
-              <a:rPr sz="1800" i="1" dirty="0">
-                <a:latin typeface="Georgia"/>
-                <a:cs typeface="Georgia"/>
-              </a:rPr>
-              <a:t>:</a:t>
+              <a:t>adatrekordok:</a:t>
             </a:r>
             <a:r>
               <a:rPr sz="1800" i="1" spc="-55" dirty="0">
+                <a:highlight>
+                  <a:srgbClr val="FFFF00"/>
+                </a:highlight>
                 <a:latin typeface="Georgia"/>
                 <a:cs typeface="Georgia"/>
               </a:rPr>
@@ -11707,6 +11717,9 @@
             </a:r>
             <a:r>
               <a:rPr sz="1800" dirty="0">
+                <a:highlight>
+                  <a:srgbClr val="FFFF00"/>
+                </a:highlight>
                 <a:latin typeface="Georgia"/>
                 <a:cs typeface="Georgia"/>
               </a:rPr>
@@ -11714,6 +11727,9 @@
             </a:r>
             <a:r>
               <a:rPr sz="1800" spc="-20" dirty="0">
+                <a:highlight>
+                  <a:srgbClr val="FFFF00"/>
+                </a:highlight>
                 <a:latin typeface="Georgia"/>
                 <a:cs typeface="Georgia"/>
               </a:rPr>
@@ -11721,6 +11737,9 @@
             </a:r>
             <a:r>
               <a:rPr sz="1800" dirty="0">
+                <a:highlight>
+                  <a:srgbClr val="FFFF00"/>
+                </a:highlight>
                 <a:latin typeface="Georgia"/>
                 <a:cs typeface="Georgia"/>
               </a:rPr>
@@ -11728,6 +11747,9 @@
             </a:r>
             <a:r>
               <a:rPr sz="1800" spc="-15" dirty="0">
+                <a:highlight>
+                  <a:srgbClr val="FFFF00"/>
+                </a:highlight>
                 <a:latin typeface="Georgia"/>
                 <a:cs typeface="Georgia"/>
               </a:rPr>
@@ -11735,6 +11757,9 @@
             </a:r>
             <a:r>
               <a:rPr sz="1800" dirty="0">
+                <a:highlight>
+                  <a:srgbClr val="FFFF00"/>
+                </a:highlight>
                 <a:latin typeface="Georgia"/>
                 <a:cs typeface="Georgia"/>
               </a:rPr>
@@ -11742,6 +11767,9 @@
             </a:r>
             <a:r>
               <a:rPr sz="1800" spc="-25" dirty="0">
+                <a:highlight>
+                  <a:srgbClr val="FFFF00"/>
+                </a:highlight>
                 <a:latin typeface="Georgia"/>
                 <a:cs typeface="Georgia"/>
               </a:rPr>
@@ -11749,6 +11777,9 @@
             </a:r>
             <a:r>
               <a:rPr sz="1800" dirty="0">
+                <a:highlight>
+                  <a:srgbClr val="FFFF00"/>
+                </a:highlight>
                 <a:latin typeface="Georgia"/>
                 <a:cs typeface="Georgia"/>
               </a:rPr>
@@ -11756,6 +11787,9 @@
             </a:r>
             <a:r>
               <a:rPr sz="1800" spc="-30" dirty="0">
+                <a:highlight>
+                  <a:srgbClr val="FFFF00"/>
+                </a:highlight>
                 <a:latin typeface="Georgia"/>
                 <a:cs typeface="Georgia"/>
               </a:rPr>
@@ -11763,12 +11797,18 @@
             </a:r>
             <a:r>
               <a:rPr sz="1800" spc="-10" dirty="0">
+                <a:highlight>
+                  <a:srgbClr val="FFFF00"/>
+                </a:highlight>
                 <a:latin typeface="Georgia"/>
                 <a:cs typeface="Georgia"/>
               </a:rPr>
               <a:t>adatai</a:t>
             </a:r>
             <a:endParaRPr sz="1800" dirty="0">
+              <a:highlight>
+                <a:srgbClr val="FFFF00"/>
+              </a:highlight>
               <a:latin typeface="Georgia"/>
               <a:cs typeface="Georgia"/>
             </a:endParaRPr>
@@ -13861,6 +13901,9 @@
             </a:r>
             <a:r>
               <a:rPr sz="1900" dirty="0">
+                <a:highlight>
+                  <a:srgbClr val="FFFF00"/>
+                </a:highlight>
                 <a:latin typeface="Georgia"/>
                 <a:cs typeface="Georgia"/>
               </a:rPr>
@@ -13868,17 +13911,30 @@
             </a:r>
             <a:r>
               <a:rPr sz="1900" spc="-45" dirty="0">
-                <a:latin typeface="Georgia"/>
-                <a:cs typeface="Georgia"/>
-              </a:rPr>
-              <a:t> </a:t>
-            </a:r>
-            <a:r>
-              <a:rPr sz="1900" dirty="0">
-                <a:latin typeface="Georgia"/>
-                <a:cs typeface="Georgia"/>
-              </a:rPr>
-              <a:t>metaadat,</a:t>
+                <a:highlight>
+                  <a:srgbClr val="FFFF00"/>
+                </a:highlight>
+                <a:latin typeface="Georgia"/>
+                <a:cs typeface="Georgia"/>
+              </a:rPr>
+              <a:t> </a:t>
+            </a:r>
+            <a:r>
+              <a:rPr sz="1900" dirty="0">
+                <a:highlight>
+                  <a:srgbClr val="FFFF00"/>
+                </a:highlight>
+                <a:latin typeface="Georgia"/>
+                <a:cs typeface="Georgia"/>
+              </a:rPr>
+              <a:t>metaadat</a:t>
+            </a:r>
+            <a:r>
+              <a:rPr sz="1900" dirty="0">
+                <a:latin typeface="Georgia"/>
+                <a:cs typeface="Georgia"/>
+              </a:rPr>
+              <a:t>,</a:t>
             </a:r>
             <a:r>
               <a:rPr sz="1900" spc="-85" dirty="0">
@@ -13910,6 +13966,9 @@
             </a:r>
             <a:r>
               <a:rPr sz="1900" dirty="0">
+                <a:highlight>
+                  <a:srgbClr val="FFFF00"/>
+                </a:highlight>
                 <a:latin typeface="Georgia"/>
                 <a:cs typeface="Georgia"/>
               </a:rPr>
@@ -13917,13 +13976,19 @@
             </a:r>
             <a:r>
               <a:rPr sz="1900" spc="-35" dirty="0">
-                <a:latin typeface="Georgia"/>
-                <a:cs typeface="Georgia"/>
-              </a:rPr>
-              <a:t> </a:t>
-            </a:r>
-            <a:r>
-              <a:rPr sz="1900" dirty="0">
+                <a:highlight>
+                  <a:srgbClr val="FFFF00"/>
+                </a:highlight>
+                <a:latin typeface="Georgia"/>
+                <a:cs typeface="Georgia"/>
+              </a:rPr>
+              <a:t> </a:t>
+            </a:r>
+            <a:r>
+              <a:rPr sz="1900" dirty="0">
+                <a:highlight>
+                  <a:srgbClr val="FFFF00"/>
+                </a:highlight>
                 <a:latin typeface="Georgia"/>
                 <a:cs typeface="Georgia"/>
               </a:rPr>
@@ -13931,13 +13996,19 @@
             </a:r>
             <a:r>
               <a:rPr sz="1900" spc="-60" dirty="0">
-                <a:latin typeface="Georgia"/>
-                <a:cs typeface="Georgia"/>
-              </a:rPr>
-              <a:t> </a:t>
-            </a:r>
-            <a:r>
-              <a:rPr sz="1900" dirty="0">
+                <a:highlight>
+                  <a:srgbClr val="FFFF00"/>
+                </a:highlight>
+                <a:latin typeface="Georgia"/>
+                <a:cs typeface="Georgia"/>
+              </a:rPr>
+              <a:t> </a:t>
+            </a:r>
+            <a:r>
+              <a:rPr sz="1900" dirty="0">
+                <a:highlight>
+                  <a:srgbClr val="FFFF00"/>
+                </a:highlight>
                 <a:latin typeface="Georgia"/>
                 <a:cs typeface="Georgia"/>
               </a:rPr>
@@ -13945,13 +14016,19 @@
             </a:r>
             <a:r>
               <a:rPr sz="1900" spc="-45" dirty="0">
-                <a:latin typeface="Georgia"/>
-                <a:cs typeface="Georgia"/>
-              </a:rPr>
-              <a:t> </a:t>
-            </a:r>
-            <a:r>
-              <a:rPr sz="1900" dirty="0">
+                <a:highlight>
+                  <a:srgbClr val="FFFF00"/>
+                </a:highlight>
+                <a:latin typeface="Georgia"/>
+                <a:cs typeface="Georgia"/>
+              </a:rPr>
+              <a:t> </a:t>
+            </a:r>
+            <a:r>
+              <a:rPr sz="1900" dirty="0">
+                <a:highlight>
+                  <a:srgbClr val="FFFF00"/>
+                </a:highlight>
                 <a:latin typeface="Georgia"/>
                 <a:cs typeface="Georgia"/>
               </a:rPr>
@@ -13959,13 +14036,19 @@
             </a:r>
             <a:r>
               <a:rPr sz="1900" spc="-35" dirty="0">
-                <a:latin typeface="Georgia"/>
-                <a:cs typeface="Georgia"/>
-              </a:rPr>
-              <a:t> </a:t>
-            </a:r>
-            <a:r>
-              <a:rPr sz="1900" dirty="0">
+                <a:highlight>
+                  <a:srgbClr val="FFFF00"/>
+                </a:highlight>
+                <a:latin typeface="Georgia"/>
+                <a:cs typeface="Georgia"/>
+              </a:rPr>
+              <a:t> </a:t>
+            </a:r>
+            <a:r>
+              <a:rPr sz="1900" dirty="0">
+                <a:highlight>
+                  <a:srgbClr val="FFFF00"/>
+                </a:highlight>
                 <a:latin typeface="Georgia"/>
                 <a:cs typeface="Georgia"/>
               </a:rPr>
@@ -13973,6 +14056,9 @@
             </a:r>
             <a:r>
               <a:rPr sz="1900" spc="-30" dirty="0">
+                <a:highlight>
+                  <a:srgbClr val="FFFF00"/>
+                </a:highlight>
                 <a:latin typeface="Georgia"/>
                 <a:cs typeface="Georgia"/>
               </a:rPr>
@@ -13980,12 +14066,18 @@
             </a:r>
             <a:r>
               <a:rPr sz="1900" spc="-25" dirty="0">
+                <a:highlight>
+                  <a:srgbClr val="FFFF00"/>
+                </a:highlight>
                 <a:latin typeface="Georgia"/>
                 <a:cs typeface="Georgia"/>
               </a:rPr>
               <a:t>le</a:t>
             </a:r>
             <a:endParaRPr sz="1900" dirty="0">
+              <a:highlight>
+                <a:srgbClr val="FFFF00"/>
+              </a:highlight>
               <a:latin typeface="Georgia"/>
               <a:cs typeface="Georgia"/>
             </a:endParaRPr>
@@ -14072,6 +14164,9 @@
             </a:r>
             <a:r>
               <a:rPr sz="1900" dirty="0">
+                <a:highlight>
+                  <a:srgbClr val="FFFF00"/>
+                </a:highlight>
                 <a:latin typeface="Georgia"/>
                 <a:cs typeface="Georgia"/>
               </a:rPr>
@@ -14079,13 +14174,19 @@
             </a:r>
             <a:r>
               <a:rPr sz="1900" spc="-45" dirty="0">
-                <a:latin typeface="Georgia"/>
-                <a:cs typeface="Georgia"/>
-              </a:rPr>
-              <a:t> </a:t>
-            </a:r>
-            <a:r>
-              <a:rPr sz="1900" dirty="0">
+                <a:highlight>
+                  <a:srgbClr val="FFFF00"/>
+                </a:highlight>
+                <a:latin typeface="Georgia"/>
+                <a:cs typeface="Georgia"/>
+              </a:rPr>
+              <a:t> </a:t>
+            </a:r>
+            <a:r>
+              <a:rPr sz="1900" dirty="0">
+                <a:highlight>
+                  <a:srgbClr val="FFFF00"/>
+                </a:highlight>
                 <a:latin typeface="Georgia"/>
                 <a:cs typeface="Georgia"/>
               </a:rPr>
@@ -14093,13 +14194,19 @@
             </a:r>
             <a:r>
               <a:rPr sz="1900" spc="-30" dirty="0">
-                <a:latin typeface="Georgia"/>
-                <a:cs typeface="Georgia"/>
-              </a:rPr>
-              <a:t> </a:t>
-            </a:r>
-            <a:r>
-              <a:rPr sz="1900" dirty="0">
+                <a:highlight>
+                  <a:srgbClr val="FFFF00"/>
+                </a:highlight>
+                <a:latin typeface="Georgia"/>
+                <a:cs typeface="Georgia"/>
+              </a:rPr>
+              <a:t> </a:t>
+            </a:r>
+            <a:r>
+              <a:rPr sz="1900" dirty="0">
+                <a:highlight>
+                  <a:srgbClr val="FFFF00"/>
+                </a:highlight>
                 <a:latin typeface="Georgia"/>
                 <a:cs typeface="Georgia"/>
               </a:rPr>
@@ -14107,17 +14214,30 @@
             </a:r>
             <a:r>
               <a:rPr sz="1900" spc="-55" dirty="0">
-                <a:latin typeface="Georgia"/>
-                <a:cs typeface="Georgia"/>
-              </a:rPr>
-              <a:t> </a:t>
-            </a:r>
-            <a:r>
-              <a:rPr sz="1900" dirty="0">
-                <a:latin typeface="Georgia"/>
-                <a:cs typeface="Georgia"/>
-              </a:rPr>
-              <a:t>értékei,</a:t>
+                <a:highlight>
+                  <a:srgbClr val="FFFF00"/>
+                </a:highlight>
+                <a:latin typeface="Georgia"/>
+                <a:cs typeface="Georgia"/>
+              </a:rPr>
+              <a:t> </a:t>
+            </a:r>
+            <a:r>
+              <a:rPr sz="1900" dirty="0">
+                <a:highlight>
+                  <a:srgbClr val="FFFF00"/>
+                </a:highlight>
+                <a:latin typeface="Georgia"/>
+                <a:cs typeface="Georgia"/>
+              </a:rPr>
+              <a:t>értékei</a:t>
+            </a:r>
+            <a:r>
+              <a:rPr sz="1900" dirty="0">
+                <a:latin typeface="Georgia"/>
+                <a:cs typeface="Georgia"/>
+              </a:rPr>
+              <a:t>,</a:t>
             </a:r>
             <a:r>
               <a:rPr sz="1900" spc="-65" dirty="0">
@@ -14238,6 +14358,9 @@
             </a:r>
             <a:r>
               <a:rPr sz="1900" dirty="0">
+                <a:highlight>
+                  <a:srgbClr val="FFFF00"/>
+                </a:highlight>
                 <a:latin typeface="Georgia"/>
                 <a:cs typeface="Georgia"/>
               </a:rPr>
@@ -14245,13 +14368,19 @@
             </a:r>
             <a:r>
               <a:rPr sz="1900" spc="-35" dirty="0">
-                <a:latin typeface="Georgia"/>
-                <a:cs typeface="Georgia"/>
-              </a:rPr>
-              <a:t> </a:t>
-            </a:r>
-            <a:r>
-              <a:rPr sz="1900" dirty="0">
+                <a:highlight>
+                  <a:srgbClr val="FFFF00"/>
+                </a:highlight>
+                <a:latin typeface="Georgia"/>
+                <a:cs typeface="Georgia"/>
+              </a:rPr>
+              <a:t> </a:t>
+            </a:r>
+            <a:r>
+              <a:rPr sz="1900" dirty="0">
+                <a:highlight>
+                  <a:srgbClr val="FFFF00"/>
+                </a:highlight>
                 <a:latin typeface="Georgia"/>
                 <a:cs typeface="Georgia"/>
               </a:rPr>
@@ -14259,13 +14388,19 @@
             </a:r>
             <a:r>
               <a:rPr sz="1900" spc="-25" dirty="0">
-                <a:latin typeface="Georgia"/>
-                <a:cs typeface="Georgia"/>
-              </a:rPr>
-              <a:t> </a:t>
-            </a:r>
-            <a:r>
-              <a:rPr sz="1900" dirty="0">
+                <a:highlight>
+                  <a:srgbClr val="FFFF00"/>
+                </a:highlight>
+                <a:latin typeface="Georgia"/>
+                <a:cs typeface="Georgia"/>
+              </a:rPr>
+              <a:t> </a:t>
+            </a:r>
+            <a:r>
+              <a:rPr sz="1900" dirty="0">
+                <a:highlight>
+                  <a:srgbClr val="FFFF00"/>
+                </a:highlight>
                 <a:latin typeface="Georgia"/>
                 <a:cs typeface="Georgia"/>
               </a:rPr>
@@ -14273,13 +14408,19 @@
             </a:r>
             <a:r>
               <a:rPr sz="1900" spc="-35" dirty="0">
-                <a:latin typeface="Georgia"/>
-                <a:cs typeface="Georgia"/>
-              </a:rPr>
-              <a:t> </a:t>
-            </a:r>
-            <a:r>
-              <a:rPr sz="1900" dirty="0">
+                <a:highlight>
+                  <a:srgbClr val="FFFF00"/>
+                </a:highlight>
+                <a:latin typeface="Georgia"/>
+                <a:cs typeface="Georgia"/>
+              </a:rPr>
+              <a:t> </a:t>
+            </a:r>
+            <a:r>
+              <a:rPr sz="1900" dirty="0">
+                <a:highlight>
+                  <a:srgbClr val="FFFF00"/>
+                </a:highlight>
                 <a:latin typeface="Georgia"/>
                 <a:cs typeface="Georgia"/>
               </a:rPr>
@@ -14287,6 +14428,9 @@
             </a:r>
             <a:r>
               <a:rPr sz="1900" spc="-40" dirty="0">
+                <a:highlight>
+                  <a:srgbClr val="FFFF00"/>
+                </a:highlight>
                 <a:latin typeface="Georgia"/>
                 <a:cs typeface="Georgia"/>
               </a:rPr>
@@ -14294,6 +14438,9 @@
             </a:r>
             <a:r>
               <a:rPr sz="1900" spc="-10" dirty="0">
+                <a:highlight>
+                  <a:srgbClr val="FFFF00"/>
+                </a:highlight>
                 <a:latin typeface="Georgia"/>
                 <a:cs typeface="Georgia"/>
               </a:rPr>
@@ -14301,6 +14448,9 @@
             </a:r>
             <a:r>
               <a:rPr sz="1900" dirty="0">
+                <a:highlight>
+                  <a:srgbClr val="FFFF00"/>
+                </a:highlight>
                 <a:latin typeface="Georgia"/>
                 <a:cs typeface="Georgia"/>
               </a:rPr>
@@ -14308,6 +14458,9 @@
             </a:r>
             <a:r>
               <a:rPr sz="1900" spc="-5" dirty="0">
+                <a:highlight>
+                  <a:srgbClr val="FFFF00"/>
+                </a:highlight>
                 <a:latin typeface="Georgia"/>
                 <a:cs typeface="Georgia"/>
               </a:rPr>
@@ -14315,12 +14468,18 @@
             </a:r>
             <a:r>
               <a:rPr sz="1900" spc="-10" dirty="0">
+                <a:highlight>
+                  <a:srgbClr val="FFFF00"/>
+                </a:highlight>
                 <a:latin typeface="Georgia"/>
                 <a:cs typeface="Georgia"/>
               </a:rPr>
               <a:t>azonosítja</a:t>
             </a:r>
             <a:endParaRPr sz="1900" dirty="0">
+              <a:highlight>
+                <a:srgbClr val="FFFF00"/>
+              </a:highlight>
               <a:latin typeface="Georgia"/>
               <a:cs typeface="Georgia"/>
             </a:endParaRPr>
@@ -14440,6 +14599,9 @@
             </a:r>
             <a:r>
               <a:rPr sz="1900" dirty="0">
+                <a:highlight>
+                  <a:srgbClr val="FFFF00"/>
+                </a:highlight>
                 <a:latin typeface="Georgia"/>
                 <a:cs typeface="Georgia"/>
               </a:rPr>
@@ -14447,13 +14609,19 @@
             </a:r>
             <a:r>
               <a:rPr sz="1900" spc="-25" dirty="0">
-                <a:latin typeface="Georgia"/>
-                <a:cs typeface="Georgia"/>
-              </a:rPr>
-              <a:t> </a:t>
-            </a:r>
-            <a:r>
-              <a:rPr sz="1900" dirty="0">
+                <a:highlight>
+                  <a:srgbClr val="FFFF00"/>
+                </a:highlight>
+                <a:latin typeface="Georgia"/>
+                <a:cs typeface="Georgia"/>
+              </a:rPr>
+              <a:t> </a:t>
+            </a:r>
+            <a:r>
+              <a:rPr sz="1900" dirty="0">
+                <a:highlight>
+                  <a:srgbClr val="FFFF00"/>
+                </a:highlight>
                 <a:latin typeface="Georgia"/>
                 <a:cs typeface="Georgia"/>
               </a:rPr>
@@ -14461,13 +14629,19 @@
             </a:r>
             <a:r>
               <a:rPr sz="1900" spc="-50" dirty="0">
-                <a:latin typeface="Georgia"/>
-                <a:cs typeface="Georgia"/>
-              </a:rPr>
-              <a:t> </a:t>
-            </a:r>
-            <a:r>
-              <a:rPr sz="1900" dirty="0">
+                <a:highlight>
+                  <a:srgbClr val="FFFF00"/>
+                </a:highlight>
+                <a:latin typeface="Georgia"/>
+                <a:cs typeface="Georgia"/>
+              </a:rPr>
+              <a:t> </a:t>
+            </a:r>
+            <a:r>
+              <a:rPr sz="1900" dirty="0">
+                <a:highlight>
+                  <a:srgbClr val="FFFF00"/>
+                </a:highlight>
                 <a:latin typeface="Georgia"/>
                 <a:cs typeface="Georgia"/>
               </a:rPr>
@@ -14475,13 +14649,19 @@
             </a:r>
             <a:r>
               <a:rPr sz="1900" spc="-35" dirty="0">
-                <a:latin typeface="Georgia"/>
-                <a:cs typeface="Georgia"/>
-              </a:rPr>
-              <a:t> </a:t>
-            </a:r>
-            <a:r>
-              <a:rPr sz="1900" dirty="0">
+                <a:highlight>
+                  <a:srgbClr val="FFFF00"/>
+                </a:highlight>
+                <a:latin typeface="Georgia"/>
+                <a:cs typeface="Georgia"/>
+              </a:rPr>
+              <a:t> </a:t>
+            </a:r>
+            <a:r>
+              <a:rPr sz="1900" dirty="0">
+                <a:highlight>
+                  <a:srgbClr val="FFFF00"/>
+                </a:highlight>
                 <a:latin typeface="Georgia"/>
                 <a:cs typeface="Georgia"/>
               </a:rPr>
@@ -14489,6 +14669,9 @@
             </a:r>
             <a:r>
               <a:rPr sz="1900" spc="-55" dirty="0">
+                <a:highlight>
+                  <a:srgbClr val="FFFF00"/>
+                </a:highlight>
                 <a:latin typeface="Georgia"/>
                 <a:cs typeface="Georgia"/>
               </a:rPr>
@@ -14496,6 +14679,9 @@
             </a:r>
             <a:r>
               <a:rPr sz="1900" spc="-10" dirty="0">
+                <a:highlight>
+                  <a:srgbClr val="FFFF00"/>
+                </a:highlight>
                 <a:latin typeface="Georgia"/>
                 <a:cs typeface="Georgia"/>
               </a:rPr>
@@ -14503,6 +14689,9 @@
             </a:r>
             <a:r>
               <a:rPr sz="1900" dirty="0">
+                <a:highlight>
+                  <a:srgbClr val="FFFF00"/>
+                </a:highlight>
                 <a:latin typeface="Georgia"/>
                 <a:cs typeface="Georgia"/>
               </a:rPr>
@@ -14510,13 +14699,19 @@
             </a:r>
             <a:r>
               <a:rPr sz="1900" spc="-45" dirty="0">
-                <a:latin typeface="Georgia"/>
-                <a:cs typeface="Georgia"/>
-              </a:rPr>
-              <a:t> </a:t>
-            </a:r>
-            <a:r>
-              <a:rPr sz="1900" dirty="0">
+                <a:highlight>
+                  <a:srgbClr val="FFFF00"/>
+                </a:highlight>
+                <a:latin typeface="Georgia"/>
+                <a:cs typeface="Georgia"/>
+              </a:rPr>
+              <a:t> </a:t>
+            </a:r>
+            <a:r>
+              <a:rPr sz="1900" dirty="0">
+                <a:highlight>
+                  <a:srgbClr val="FFFF00"/>
+                </a:highlight>
                 <a:latin typeface="Georgia"/>
                 <a:cs typeface="Georgia"/>
               </a:rPr>
@@ -14524,13 +14719,19 @@
             </a:r>
             <a:r>
               <a:rPr sz="1900" spc="-60" dirty="0">
-                <a:latin typeface="Georgia"/>
-                <a:cs typeface="Georgia"/>
-              </a:rPr>
-              <a:t> </a:t>
-            </a:r>
-            <a:r>
-              <a:rPr sz="1900" dirty="0">
+                <a:highlight>
+                  <a:srgbClr val="FFFF00"/>
+                </a:highlight>
+                <a:latin typeface="Georgia"/>
+                <a:cs typeface="Georgia"/>
+              </a:rPr>
+              <a:t> </a:t>
+            </a:r>
+            <a:r>
+              <a:rPr sz="1900" dirty="0">
+                <a:highlight>
+                  <a:srgbClr val="FFFF00"/>
+                </a:highlight>
                 <a:latin typeface="Georgia"/>
                 <a:cs typeface="Georgia"/>
               </a:rPr>
@@ -14538,6 +14739,9 @@
             </a:r>
             <a:r>
               <a:rPr sz="1900" spc="-45" dirty="0">
+                <a:highlight>
+                  <a:srgbClr val="FFFF00"/>
+                </a:highlight>
                 <a:latin typeface="Georgia"/>
                 <a:cs typeface="Georgia"/>
               </a:rPr>
@@ -14545,12 +14749,18 @@
             </a:r>
             <a:r>
               <a:rPr sz="1900" spc="-10" dirty="0">
+                <a:highlight>
+                  <a:srgbClr val="FFFF00"/>
+                </a:highlight>
                 <a:latin typeface="Georgia"/>
                 <a:cs typeface="Georgia"/>
               </a:rPr>
               <a:t>tartalmaz</a:t>
             </a:r>
             <a:endParaRPr sz="1900" dirty="0">
+              <a:highlight>
+                <a:srgbClr val="FFFF00"/>
+              </a:highlight>
               <a:latin typeface="Georgia"/>
               <a:cs typeface="Georgia"/>
             </a:endParaRPr>
@@ -33914,6 +34124,9 @@
             </a:pPr>
             <a:r>
               <a:rPr sz="1800" dirty="0">
+                <a:highlight>
+                  <a:srgbClr val="FFFF00"/>
+                </a:highlight>
                 <a:latin typeface="Georgia"/>
                 <a:cs typeface="Georgia"/>
               </a:rPr>
@@ -33921,6 +34134,9 @@
             </a:r>
             <a:r>
               <a:rPr sz="1800" spc="-60" dirty="0">
+                <a:highlight>
+                  <a:srgbClr val="FFFF00"/>
+                </a:highlight>
                 <a:latin typeface="Georgia"/>
                 <a:cs typeface="Georgia"/>
               </a:rPr>
@@ -33928,6 +34144,9 @@
             </a:r>
             <a:r>
               <a:rPr sz="1800" dirty="0">
+                <a:highlight>
+                  <a:srgbClr val="FFFF00"/>
+                </a:highlight>
                 <a:latin typeface="Georgia"/>
                 <a:cs typeface="Georgia"/>
               </a:rPr>
@@ -33935,6 +34154,9 @@
             </a:r>
             <a:r>
               <a:rPr sz="1800" spc="-40" dirty="0">
+                <a:highlight>
+                  <a:srgbClr val="FFFF00"/>
+                </a:highlight>
                 <a:latin typeface="Georgia"/>
                 <a:cs typeface="Georgia"/>
               </a:rPr>
@@ -33942,6 +34164,9 @@
             </a:r>
             <a:r>
               <a:rPr sz="1800" dirty="0">
+                <a:highlight>
+                  <a:srgbClr val="FFFF00"/>
+                </a:highlight>
                 <a:latin typeface="Georgia"/>
                 <a:cs typeface="Georgia"/>
               </a:rPr>
@@ -33949,6 +34174,9 @@
             </a:r>
             <a:r>
               <a:rPr sz="1800" spc="-50" dirty="0">
+                <a:highlight>
+                  <a:srgbClr val="FFFF00"/>
+                </a:highlight>
                 <a:latin typeface="Georgia"/>
                 <a:cs typeface="Georgia"/>
               </a:rPr>
@@ -33956,6 +34184,9 @@
             </a:r>
             <a:r>
               <a:rPr sz="1800" dirty="0">
+                <a:highlight>
+                  <a:srgbClr val="FFFF00"/>
+                </a:highlight>
                 <a:latin typeface="Georgia"/>
                 <a:cs typeface="Georgia"/>
               </a:rPr>
@@ -33963,6 +34194,9 @@
             </a:r>
             <a:r>
               <a:rPr sz="1800" spc="-55" dirty="0">
+                <a:highlight>
+                  <a:srgbClr val="FFFF00"/>
+                </a:highlight>
                 <a:latin typeface="Georgia"/>
                 <a:cs typeface="Georgia"/>
               </a:rPr>
@@ -33970,6 +34204,9 @@
             </a:r>
             <a:r>
               <a:rPr sz="1800" dirty="0">
+                <a:highlight>
+                  <a:srgbClr val="FFFF00"/>
+                </a:highlight>
                 <a:latin typeface="Georgia"/>
                 <a:cs typeface="Georgia"/>
               </a:rPr>
@@ -33977,6 +34214,9 @@
             </a:r>
             <a:r>
               <a:rPr sz="1800" spc="-35" dirty="0">
+                <a:highlight>
+                  <a:srgbClr val="FFFF00"/>
+                </a:highlight>
                 <a:latin typeface="Georgia"/>
                 <a:cs typeface="Georgia"/>
               </a:rPr>
@@ -33984,6 +34224,9 @@
             </a:r>
             <a:r>
               <a:rPr sz="1800" dirty="0">
+                <a:highlight>
+                  <a:srgbClr val="FFFF00"/>
+                </a:highlight>
                 <a:latin typeface="Georgia"/>
                 <a:cs typeface="Georgia"/>
               </a:rPr>
@@ -33991,6 +34234,9 @@
             </a:r>
             <a:r>
               <a:rPr sz="1800" spc="-25" dirty="0">
+                <a:highlight>
+                  <a:srgbClr val="FFFF00"/>
+                </a:highlight>
                 <a:latin typeface="Georgia"/>
                 <a:cs typeface="Georgia"/>
               </a:rPr>
@@ -33998,6 +34244,9 @@
             </a:r>
             <a:r>
               <a:rPr sz="1800" dirty="0">
+                <a:highlight>
+                  <a:srgbClr val="FFFF00"/>
+                </a:highlight>
                 <a:latin typeface="Georgia"/>
                 <a:cs typeface="Georgia"/>
               </a:rPr>
@@ -34005,6 +34254,9 @@
             </a:r>
             <a:r>
               <a:rPr sz="1800" spc="-50" dirty="0">
+                <a:highlight>
+                  <a:srgbClr val="FFFF00"/>
+                </a:highlight>
                 <a:latin typeface="Georgia"/>
                 <a:cs typeface="Georgia"/>
               </a:rPr>
@@ -34012,6 +34264,9 @@
             </a:r>
             <a:r>
               <a:rPr sz="1800" spc="-10" dirty="0">
+                <a:highlight>
+                  <a:srgbClr val="FFFF00"/>
+                </a:highlight>
                 <a:latin typeface="Georgia"/>
                 <a:cs typeface="Georgia"/>
               </a:rPr>
@@ -34019,6 +34274,9 @@
             </a:r>
             <a:r>
               <a:rPr sz="1800" spc="-40" dirty="0">
+                <a:highlight>
+                  <a:srgbClr val="FFFF00"/>
+                </a:highlight>
                 <a:latin typeface="Georgia"/>
                 <a:cs typeface="Georgia"/>
               </a:rPr>
@@ -34026,6 +34284,9 @@
             </a:r>
             <a:r>
               <a:rPr sz="1800" spc="-25" dirty="0">
+                <a:highlight>
+                  <a:srgbClr val="FFFF00"/>
+                </a:highlight>
                 <a:latin typeface="Georgia"/>
                 <a:cs typeface="Georgia"/>
               </a:rPr>
@@ -34033,6 +34294,9 @@
             </a:r>
             <a:r>
               <a:rPr sz="1800" dirty="0">
+                <a:highlight>
+                  <a:srgbClr val="FFFF00"/>
+                </a:highlight>
                 <a:latin typeface="Georgia"/>
                 <a:cs typeface="Georgia"/>
               </a:rPr>
@@ -34040,6 +34304,9 @@
             </a:r>
             <a:r>
               <a:rPr sz="1800" spc="-85" dirty="0">
+                <a:highlight>
+                  <a:srgbClr val="FFFF00"/>
+                </a:highlight>
                 <a:latin typeface="Georgia"/>
                 <a:cs typeface="Georgia"/>
               </a:rPr>
@@ -34047,12 +34314,18 @@
             </a:r>
             <a:r>
               <a:rPr sz="1800" spc="-10" dirty="0">
+                <a:highlight>
+                  <a:srgbClr val="FFFF00"/>
+                </a:highlight>
                 <a:latin typeface="Georgia"/>
                 <a:cs typeface="Georgia"/>
               </a:rPr>
               <a:t>tárolásához.</a:t>
             </a:r>
             <a:endParaRPr sz="1800" dirty="0">
+              <a:highlight>
+                <a:srgbClr val="FFFF00"/>
+              </a:highlight>
               <a:latin typeface="Georgia"/>
               <a:cs typeface="Georgia"/>
             </a:endParaRPr>
@@ -34075,6 +34348,9 @@
             </a:pPr>
             <a:r>
               <a:rPr sz="1800" dirty="0">
+                <a:highlight>
+                  <a:srgbClr val="FFFF00"/>
+                </a:highlight>
                 <a:latin typeface="Georgia"/>
                 <a:cs typeface="Georgia"/>
               </a:rPr>
@@ -34082,6 +34358,9 @@
             </a:r>
             <a:r>
               <a:rPr sz="1800" spc="-55" dirty="0">
+                <a:highlight>
+                  <a:srgbClr val="FFFF00"/>
+                </a:highlight>
                 <a:latin typeface="Georgia"/>
                 <a:cs typeface="Georgia"/>
               </a:rPr>
@@ -34089,6 +34368,9 @@
             </a:r>
             <a:r>
               <a:rPr sz="1800" spc="-10" dirty="0">
+                <a:highlight>
+                  <a:srgbClr val="FFFF00"/>
+                </a:highlight>
                 <a:latin typeface="Georgia"/>
                 <a:cs typeface="Georgia"/>
               </a:rPr>
@@ -34096,6 +34378,9 @@
             </a:r>
             <a:r>
               <a:rPr sz="1800" spc="-55" dirty="0">
+                <a:highlight>
+                  <a:srgbClr val="FFFF00"/>
+                </a:highlight>
                 <a:latin typeface="Georgia"/>
                 <a:cs typeface="Georgia"/>
               </a:rPr>
@@ -34103,6 +34388,9 @@
             </a:r>
             <a:r>
               <a:rPr sz="1800" dirty="0">
+                <a:highlight>
+                  <a:srgbClr val="FFFF00"/>
+                </a:highlight>
                 <a:latin typeface="Georgia"/>
                 <a:cs typeface="Georgia"/>
               </a:rPr>
@@ -34110,6 +34398,9 @@
             </a:r>
             <a:r>
               <a:rPr sz="1800" spc="-45" dirty="0">
+                <a:highlight>
+                  <a:srgbClr val="FFFF00"/>
+                </a:highlight>
                 <a:latin typeface="Georgia"/>
                 <a:cs typeface="Georgia"/>
               </a:rPr>
@@ -34117,6 +34408,9 @@
             </a:r>
             <a:r>
               <a:rPr sz="1800" dirty="0">
+                <a:highlight>
+                  <a:srgbClr val="FFFF00"/>
+                </a:highlight>
                 <a:latin typeface="Georgia"/>
                 <a:cs typeface="Georgia"/>
               </a:rPr>
@@ -34124,6 +34418,9 @@
             </a:r>
             <a:r>
               <a:rPr sz="1800" spc="-55" dirty="0">
+                <a:highlight>
+                  <a:srgbClr val="FFFF00"/>
+                </a:highlight>
                 <a:latin typeface="Georgia"/>
                 <a:cs typeface="Georgia"/>
               </a:rPr>
@@ -34131,6 +34428,9 @@
             </a:r>
             <a:r>
               <a:rPr sz="1800" dirty="0">
+                <a:highlight>
+                  <a:srgbClr val="FFFF00"/>
+                </a:highlight>
                 <a:latin typeface="Georgia"/>
                 <a:cs typeface="Georgia"/>
               </a:rPr>
@@ -34138,6 +34438,9 @@
             </a:r>
             <a:r>
               <a:rPr sz="1800" spc="-55" dirty="0">
+                <a:highlight>
+                  <a:srgbClr val="FFFF00"/>
+                </a:highlight>
                 <a:latin typeface="Georgia"/>
                 <a:cs typeface="Georgia"/>
               </a:rPr>
@@ -34145,6 +34448,9 @@
             </a:r>
             <a:r>
               <a:rPr sz="1800" dirty="0">
+                <a:highlight>
+                  <a:srgbClr val="FFFF00"/>
+                </a:highlight>
                 <a:latin typeface="Georgia"/>
                 <a:cs typeface="Georgia"/>
               </a:rPr>
@@ -34152,6 +34458,9 @@
             </a:r>
             <a:r>
               <a:rPr sz="1800" spc="-45" dirty="0">
+                <a:highlight>
+                  <a:srgbClr val="FFFF00"/>
+                </a:highlight>
                 <a:latin typeface="Georgia"/>
                 <a:cs typeface="Georgia"/>
               </a:rPr>
@@ -34159,6 +34468,9 @@
             </a:r>
             <a:r>
               <a:rPr sz="1800" dirty="0">
+                <a:highlight>
+                  <a:srgbClr val="FFFF00"/>
+                </a:highlight>
                 <a:latin typeface="Georgia"/>
                 <a:cs typeface="Georgia"/>
               </a:rPr>
@@ -34166,6 +34478,9 @@
             </a:r>
             <a:r>
               <a:rPr sz="1800" spc="-60" dirty="0">
+                <a:highlight>
+                  <a:srgbClr val="FFFF00"/>
+                </a:highlight>
                 <a:latin typeface="Georgia"/>
                 <a:cs typeface="Georgia"/>
               </a:rPr>
@@ -34173,6 +34488,9 @@
             </a:r>
             <a:r>
               <a:rPr sz="1800" spc="-25" dirty="0">
+                <a:highlight>
+                  <a:srgbClr val="FFFF00"/>
+                </a:highlight>
                 <a:latin typeface="Georgia"/>
                 <a:cs typeface="Georgia"/>
               </a:rPr>
@@ -34180,6 +34498,9 @@
             </a:r>
             <a:r>
               <a:rPr sz="1800" dirty="0">
+                <a:highlight>
+                  <a:srgbClr val="FFFF00"/>
+                </a:highlight>
                 <a:latin typeface="Georgia"/>
                 <a:cs typeface="Georgia"/>
               </a:rPr>
@@ -34187,6 +34508,9 @@
             </a:r>
             <a:r>
               <a:rPr sz="1800" spc="-35" dirty="0">
+                <a:highlight>
+                  <a:srgbClr val="FFFF00"/>
+                </a:highlight>
                 <a:latin typeface="Georgia"/>
                 <a:cs typeface="Georgia"/>
               </a:rPr>
@@ -34194,6 +34518,9 @@
             </a:r>
             <a:r>
               <a:rPr sz="1800" dirty="0">
+                <a:highlight>
+                  <a:srgbClr val="FFFF00"/>
+                </a:highlight>
                 <a:latin typeface="Georgia"/>
                 <a:cs typeface="Georgia"/>
               </a:rPr>
@@ -34201,6 +34528,9 @@
             </a:r>
             <a:r>
               <a:rPr sz="1800" spc="-30" dirty="0">
+                <a:highlight>
+                  <a:srgbClr val="FFFF00"/>
+                </a:highlight>
                 <a:latin typeface="Georgia"/>
                 <a:cs typeface="Georgia"/>
               </a:rPr>
@@ -34208,6 +34538,9 @@
             </a:r>
             <a:r>
               <a:rPr sz="1800" dirty="0">
+                <a:highlight>
+                  <a:srgbClr val="FFFF00"/>
+                </a:highlight>
                 <a:latin typeface="Georgia"/>
                 <a:cs typeface="Georgia"/>
               </a:rPr>
@@ -34215,6 +34548,9 @@
             </a:r>
             <a:r>
               <a:rPr sz="1800" spc="-15" dirty="0">
+                <a:highlight>
+                  <a:srgbClr val="FFFF00"/>
+                </a:highlight>
                 <a:latin typeface="Georgia"/>
                 <a:cs typeface="Georgia"/>
               </a:rPr>
@@ -34222,6 +34558,9 @@
             </a:r>
             <a:r>
               <a:rPr sz="1800" spc="-10" dirty="0">
+                <a:highlight>
+                  <a:srgbClr val="FFFF00"/>
+                </a:highlight>
                 <a:latin typeface="Georgia"/>
                 <a:cs typeface="Georgia"/>
               </a:rPr>
@@ -34229,6 +34568,9 @@
             </a:r>
             <a:r>
               <a:rPr sz="1800" spc="-35" dirty="0">
+                <a:highlight>
+                  <a:srgbClr val="FFFF00"/>
+                </a:highlight>
                 <a:latin typeface="Georgia"/>
                 <a:cs typeface="Georgia"/>
               </a:rPr>
@@ -34236,6 +34578,9 @@
             </a:r>
             <a:r>
               <a:rPr sz="1800" dirty="0">
+                <a:highlight>
+                  <a:srgbClr val="FFFF00"/>
+                </a:highlight>
                 <a:latin typeface="Georgia"/>
                 <a:cs typeface="Georgia"/>
               </a:rPr>
@@ -34243,6 +34588,9 @@
             </a:r>
             <a:r>
               <a:rPr sz="1800" spc="-25" dirty="0">
+                <a:highlight>
+                  <a:srgbClr val="FFFF00"/>
+                </a:highlight>
                 <a:latin typeface="Georgia"/>
                 <a:cs typeface="Georgia"/>
               </a:rPr>
@@ -34250,6 +34598,9 @@
             </a:r>
             <a:r>
               <a:rPr sz="1800" dirty="0">
+                <a:highlight>
+                  <a:srgbClr val="FFFF00"/>
+                </a:highlight>
                 <a:latin typeface="Georgia"/>
                 <a:cs typeface="Georgia"/>
               </a:rPr>
@@ -34257,6 +34608,9 @@
             </a:r>
             <a:r>
               <a:rPr sz="1800" spc="-35" dirty="0">
+                <a:highlight>
+                  <a:srgbClr val="FFFF00"/>
+                </a:highlight>
                 <a:latin typeface="Georgia"/>
                 <a:cs typeface="Georgia"/>
               </a:rPr>
@@ -34264,6 +34618,9 @@
             </a:r>
             <a:r>
               <a:rPr sz="1800" dirty="0">
+                <a:highlight>
+                  <a:srgbClr val="FFFF00"/>
+                </a:highlight>
                 <a:latin typeface="Georgia"/>
                 <a:cs typeface="Georgia"/>
               </a:rPr>
@@ -34271,6 +34628,9 @@
             </a:r>
             <a:r>
               <a:rPr sz="1800" spc="-30" dirty="0">
+                <a:highlight>
+                  <a:srgbClr val="FFFF00"/>
+                </a:highlight>
                 <a:latin typeface="Georgia"/>
                 <a:cs typeface="Georgia"/>
               </a:rPr>
@@ -34278,6 +34638,9 @@
             </a:r>
             <a:r>
               <a:rPr sz="1800" dirty="0">
+                <a:highlight>
+                  <a:srgbClr val="FFFF00"/>
+                </a:highlight>
                 <a:latin typeface="Georgia"/>
                 <a:cs typeface="Georgia"/>
               </a:rPr>
@@ -34285,6 +34648,9 @@
             </a:r>
             <a:r>
               <a:rPr sz="1800" spc="-15" dirty="0">
+                <a:highlight>
+                  <a:srgbClr val="FFFF00"/>
+                </a:highlight>
                 <a:latin typeface="Georgia"/>
                 <a:cs typeface="Georgia"/>
               </a:rPr>
@@ -34292,12 +34658,18 @@
             </a:r>
             <a:r>
               <a:rPr sz="1800" spc="-10" dirty="0">
+                <a:highlight>
+                  <a:srgbClr val="FFFF00"/>
+                </a:highlight>
                 <a:latin typeface="Georgia"/>
                 <a:cs typeface="Georgia"/>
               </a:rPr>
               <a:t>versengés.</a:t>
             </a:r>
             <a:endParaRPr sz="1800" dirty="0">
+              <a:highlight>
+                <a:srgbClr val="FFFF00"/>
+              </a:highlight>
               <a:latin typeface="Georgia"/>
               <a:cs typeface="Georgia"/>
             </a:endParaRPr>
@@ -34387,6 +34759,9 @@
             </a:pPr>
             <a:r>
               <a:rPr sz="1800" dirty="0">
+                <a:highlight>
+                  <a:srgbClr val="FFFF00"/>
+                </a:highlight>
                 <a:latin typeface="Georgia"/>
                 <a:cs typeface="Georgia"/>
               </a:rPr>
@@ -34394,6 +34769,9 @@
             </a:r>
             <a:r>
               <a:rPr sz="1800" spc="-40" dirty="0">
+                <a:highlight>
+                  <a:srgbClr val="FFFF00"/>
+                </a:highlight>
                 <a:latin typeface="Georgia"/>
                 <a:cs typeface="Georgia"/>
               </a:rPr>
@@ -34401,6 +34779,9 @@
             </a:r>
             <a:r>
               <a:rPr sz="1800" dirty="0">
+                <a:highlight>
+                  <a:srgbClr val="FFFF00"/>
+                </a:highlight>
                 <a:latin typeface="Georgia"/>
                 <a:cs typeface="Georgia"/>
               </a:rPr>
@@ -34408,6 +34789,9 @@
             </a:r>
             <a:r>
               <a:rPr sz="1800" spc="-25" dirty="0">
+                <a:highlight>
+                  <a:srgbClr val="FFFF00"/>
+                </a:highlight>
                 <a:latin typeface="Georgia"/>
                 <a:cs typeface="Georgia"/>
               </a:rPr>
@@ -34415,6 +34799,9 @@
             </a:r>
             <a:r>
               <a:rPr sz="1800" dirty="0">
+                <a:highlight>
+                  <a:srgbClr val="FFFF00"/>
+                </a:highlight>
                 <a:latin typeface="Georgia"/>
                 <a:cs typeface="Georgia"/>
               </a:rPr>
@@ -34422,6 +34809,9 @@
             </a:r>
             <a:r>
               <a:rPr sz="1800" spc="-30" dirty="0">
+                <a:highlight>
+                  <a:srgbClr val="FFFF00"/>
+                </a:highlight>
                 <a:latin typeface="Georgia"/>
                 <a:cs typeface="Georgia"/>
               </a:rPr>
@@ -34429,6 +34819,9 @@
             </a:r>
             <a:r>
               <a:rPr sz="1800" dirty="0">
+                <a:highlight>
+                  <a:srgbClr val="FFFF00"/>
+                </a:highlight>
                 <a:latin typeface="Georgia"/>
                 <a:cs typeface="Georgia"/>
               </a:rPr>
@@ -34436,6 +34829,9 @@
             </a:r>
             <a:r>
               <a:rPr sz="1800" spc="-25" dirty="0">
+                <a:highlight>
+                  <a:srgbClr val="FFFF00"/>
+                </a:highlight>
                 <a:latin typeface="Georgia"/>
                 <a:cs typeface="Georgia"/>
               </a:rPr>
@@ -34443,6 +34839,9 @@
             </a:r>
             <a:r>
               <a:rPr sz="1800" dirty="0">
+                <a:highlight>
+                  <a:srgbClr val="FFFF00"/>
+                </a:highlight>
                 <a:latin typeface="Georgia"/>
                 <a:cs typeface="Georgia"/>
               </a:rPr>
@@ -34450,6 +34849,9 @@
             </a:r>
             <a:r>
               <a:rPr sz="1800" spc="-35" dirty="0">
+                <a:highlight>
+                  <a:srgbClr val="FFFF00"/>
+                </a:highlight>
                 <a:latin typeface="Georgia"/>
                 <a:cs typeface="Georgia"/>
               </a:rPr>
@@ -34457,6 +34859,9 @@
             </a:r>
             <a:r>
               <a:rPr sz="1800" spc="-10" dirty="0">
+                <a:highlight>
+                  <a:srgbClr val="FFFF00"/>
+                </a:highlight>
                 <a:latin typeface="Georgia"/>
                 <a:cs typeface="Georgia"/>
               </a:rPr>
@@ -34464,6 +34869,9 @@
             </a:r>
             <a:r>
               <a:rPr sz="1800" spc="-35" dirty="0">
+                <a:highlight>
+                  <a:srgbClr val="FFFF00"/>
+                </a:highlight>
                 <a:latin typeface="Georgia"/>
                 <a:cs typeface="Georgia"/>
               </a:rPr>
@@ -34471,12 +34879,18 @@
             </a:r>
             <a:r>
               <a:rPr sz="1800" spc="-10" dirty="0">
+                <a:highlight>
+                  <a:srgbClr val="FFFF00"/>
+                </a:highlight>
                 <a:latin typeface="Georgia"/>
                 <a:cs typeface="Georgia"/>
               </a:rPr>
               <a:t>tárhelyhasználatát.</a:t>
             </a:r>
             <a:endParaRPr sz="1800" dirty="0">
+              <a:highlight>
+                <a:srgbClr val="FFFF00"/>
+              </a:highlight>
               <a:latin typeface="Georgia"/>
               <a:cs typeface="Georgia"/>
             </a:endParaRPr>
@@ -34499,6 +34913,9 @@
             </a:pPr>
             <a:r>
               <a:rPr sz="1800" dirty="0">
+                <a:highlight>
+                  <a:srgbClr val="FFFF00"/>
+                </a:highlight>
                 <a:latin typeface="Georgia"/>
                 <a:cs typeface="Georgia"/>
               </a:rPr>
@@ -34506,6 +34923,9 @@
             </a:r>
             <a:r>
               <a:rPr sz="1800" spc="-45" dirty="0">
+                <a:highlight>
+                  <a:srgbClr val="FFFF00"/>
+                </a:highlight>
                 <a:latin typeface="Georgia"/>
                 <a:cs typeface="Georgia"/>
               </a:rPr>
@@ -34513,6 +34933,9 @@
             </a:r>
             <a:r>
               <a:rPr sz="1800" dirty="0">
+                <a:highlight>
+                  <a:srgbClr val="FFFF00"/>
+                </a:highlight>
                 <a:latin typeface="Georgia"/>
                 <a:cs typeface="Georgia"/>
               </a:rPr>
@@ -34520,6 +34943,9 @@
             </a:r>
             <a:r>
               <a:rPr sz="1800" spc="-40" dirty="0">
+                <a:highlight>
+                  <a:srgbClr val="FFFF00"/>
+                </a:highlight>
                 <a:latin typeface="Georgia"/>
                 <a:cs typeface="Georgia"/>
               </a:rPr>
@@ -34527,6 +34953,9 @@
             </a:r>
             <a:r>
               <a:rPr sz="1800" spc="-10" dirty="0">
+                <a:highlight>
+                  <a:srgbClr val="FFFF00"/>
+                </a:highlight>
                 <a:latin typeface="Georgia"/>
                 <a:cs typeface="Georgia"/>
               </a:rPr>
@@ -34534,6 +34963,9 @@
             </a:r>
             <a:r>
               <a:rPr sz="1800" spc="-15" dirty="0">
+                <a:highlight>
+                  <a:srgbClr val="FFFF00"/>
+                </a:highlight>
                 <a:latin typeface="Georgia"/>
                 <a:cs typeface="Georgia"/>
               </a:rPr>
@@ -34541,6 +34973,9 @@
             </a:r>
             <a:r>
               <a:rPr sz="1800" dirty="0">
+                <a:highlight>
+                  <a:srgbClr val="FFFF00"/>
+                </a:highlight>
                 <a:latin typeface="Georgia"/>
                 <a:cs typeface="Georgia"/>
               </a:rPr>
@@ -34548,6 +34983,9 @@
             </a:r>
             <a:r>
               <a:rPr sz="1800" spc="-35" dirty="0">
+                <a:highlight>
+                  <a:srgbClr val="FFFF00"/>
+                </a:highlight>
                 <a:latin typeface="Georgia"/>
                 <a:cs typeface="Georgia"/>
               </a:rPr>
@@ -34555,6 +34993,9 @@
             </a:r>
             <a:r>
               <a:rPr sz="1800" dirty="0">
+                <a:highlight>
+                  <a:srgbClr val="FFFF00"/>
+                </a:highlight>
                 <a:latin typeface="Georgia"/>
                 <a:cs typeface="Georgia"/>
               </a:rPr>
@@ -34562,6 +35003,9 @@
             </a:r>
             <a:r>
               <a:rPr sz="1800" spc="-35" dirty="0">
+                <a:highlight>
+                  <a:srgbClr val="FFFF00"/>
+                </a:highlight>
                 <a:latin typeface="Georgia"/>
                 <a:cs typeface="Georgia"/>
               </a:rPr>
@@ -34569,6 +35013,9 @@
             </a:r>
             <a:r>
               <a:rPr sz="1800" dirty="0">
+                <a:highlight>
+                  <a:srgbClr val="FFFF00"/>
+                </a:highlight>
                 <a:latin typeface="Georgia"/>
                 <a:cs typeface="Georgia"/>
               </a:rPr>
@@ -34576,6 +35023,9 @@
             </a:r>
             <a:r>
               <a:rPr sz="1800" spc="-30" dirty="0">
+                <a:highlight>
+                  <a:srgbClr val="FFFF00"/>
+                </a:highlight>
                 <a:latin typeface="Georgia"/>
                 <a:cs typeface="Georgia"/>
               </a:rPr>
@@ -34583,6 +35033,9 @@
             </a:r>
             <a:r>
               <a:rPr sz="1800" dirty="0">
+                <a:highlight>
+                  <a:srgbClr val="FFFF00"/>
+                </a:highlight>
                 <a:latin typeface="Georgia"/>
                 <a:cs typeface="Georgia"/>
               </a:rPr>
@@ -34590,6 +35043,9 @@
             </a:r>
             <a:r>
               <a:rPr sz="1800" spc="-35" dirty="0">
+                <a:highlight>
+                  <a:srgbClr val="FFFF00"/>
+                </a:highlight>
                 <a:latin typeface="Georgia"/>
                 <a:cs typeface="Georgia"/>
               </a:rPr>
@@ -34597,12 +35053,18 @@
             </a:r>
             <a:r>
               <a:rPr sz="1800" spc="-10" dirty="0">
+                <a:highlight>
+                  <a:srgbClr val="FFFF00"/>
+                </a:highlight>
                 <a:latin typeface="Georgia"/>
                 <a:cs typeface="Georgia"/>
               </a:rPr>
               <a:t>naplóállományok</a:t>
             </a:r>
             <a:endParaRPr sz="1800" dirty="0">
+              <a:highlight>
+                <a:srgbClr val="FFFF00"/>
+              </a:highlight>
               <a:latin typeface="Georgia"/>
               <a:cs typeface="Georgia"/>
             </a:endParaRPr>
@@ -34615,6 +35077,9 @@
             </a:pPr>
             <a:r>
               <a:rPr sz="1800" dirty="0">
+                <a:highlight>
+                  <a:srgbClr val="FFFF00"/>
+                </a:highlight>
                 <a:latin typeface="Georgia"/>
                 <a:cs typeface="Georgia"/>
               </a:rPr>
@@ -34622,6 +35087,9 @@
             </a:r>
             <a:r>
               <a:rPr sz="1800" spc="-70" dirty="0">
+                <a:highlight>
+                  <a:srgbClr val="FFFF00"/>
+                </a:highlight>
                 <a:latin typeface="Georgia"/>
                 <a:cs typeface="Georgia"/>
               </a:rPr>
@@ -34629,12 +35097,18 @@
             </a:r>
             <a:r>
               <a:rPr sz="1800" spc="-10" dirty="0">
+                <a:highlight>
+                  <a:srgbClr val="FFFF00"/>
+                </a:highlight>
                 <a:latin typeface="Georgia"/>
                 <a:cs typeface="Georgia"/>
               </a:rPr>
               <a:t>betelését.</a:t>
             </a:r>
             <a:endParaRPr sz="1800" dirty="0">
+              <a:highlight>
+                <a:srgbClr val="FFFF00"/>
+              </a:highlight>
               <a:latin typeface="Georgia"/>
               <a:cs typeface="Georgia"/>
             </a:endParaRPr>
@@ -34704,6 +35178,9 @@
             </a:pPr>
             <a:r>
               <a:rPr sz="1800" spc="-10" dirty="0">
+                <a:highlight>
+                  <a:srgbClr val="FFFF00"/>
+                </a:highlight>
                 <a:latin typeface="Georgia"/>
                 <a:cs typeface="Georgia"/>
               </a:rPr>
@@ -34711,6 +35188,9 @@
             </a:r>
             <a:r>
               <a:rPr sz="1800" spc="-35" dirty="0">
+                <a:highlight>
+                  <a:srgbClr val="FFFF00"/>
+                </a:highlight>
                 <a:latin typeface="Georgia"/>
                 <a:cs typeface="Georgia"/>
               </a:rPr>
@@ -34718,6 +35198,9 @@
             </a:r>
             <a:r>
               <a:rPr sz="1800" dirty="0">
+                <a:highlight>
+                  <a:srgbClr val="FFFF00"/>
+                </a:highlight>
                 <a:latin typeface="Georgia"/>
                 <a:cs typeface="Georgia"/>
               </a:rPr>
@@ -34725,6 +35208,9 @@
             </a:r>
             <a:r>
               <a:rPr sz="1800" spc="-20" dirty="0">
+                <a:highlight>
+                  <a:srgbClr val="FFFF00"/>
+                </a:highlight>
                 <a:latin typeface="Georgia"/>
                 <a:cs typeface="Georgia"/>
               </a:rPr>
@@ -34732,6 +35218,9 @@
             </a:r>
             <a:r>
               <a:rPr sz="1800" dirty="0">
+                <a:highlight>
+                  <a:srgbClr val="FFFF00"/>
+                </a:highlight>
                 <a:latin typeface="Georgia"/>
                 <a:cs typeface="Georgia"/>
               </a:rPr>
@@ -34739,6 +35228,9 @@
             </a:r>
             <a:r>
               <a:rPr sz="1800" spc="-20" dirty="0">
+                <a:highlight>
+                  <a:srgbClr val="FFFF00"/>
+                </a:highlight>
                 <a:latin typeface="Georgia"/>
                 <a:cs typeface="Georgia"/>
               </a:rPr>
@@ -34746,6 +35238,9 @@
             </a:r>
             <a:r>
               <a:rPr sz="1800" dirty="0">
+                <a:highlight>
+                  <a:srgbClr val="FFFF00"/>
+                </a:highlight>
                 <a:latin typeface="Georgia"/>
                 <a:cs typeface="Georgia"/>
               </a:rPr>
@@ -34753,6 +35248,9 @@
             </a:r>
             <a:r>
               <a:rPr sz="1800" spc="-25" dirty="0">
+                <a:highlight>
+                  <a:srgbClr val="FFFF00"/>
+                </a:highlight>
                 <a:latin typeface="Georgia"/>
                 <a:cs typeface="Georgia"/>
               </a:rPr>
@@ -34760,6 +35258,9 @@
             </a:r>
             <a:r>
               <a:rPr sz="1800" spc="-10" dirty="0">
+                <a:highlight>
+                  <a:srgbClr val="FFFF00"/>
+                </a:highlight>
                 <a:latin typeface="Georgia"/>
                 <a:cs typeface="Georgia"/>
               </a:rPr>
@@ -34767,6 +35268,9 @@
             </a:r>
             <a:r>
               <a:rPr sz="1800" spc="-30" dirty="0">
+                <a:highlight>
+                  <a:srgbClr val="FFFF00"/>
+                </a:highlight>
                 <a:latin typeface="Georgia"/>
                 <a:cs typeface="Georgia"/>
               </a:rPr>
@@ -34774,6 +35278,9 @@
             </a:r>
             <a:r>
               <a:rPr sz="1800" dirty="0">
+                <a:highlight>
+                  <a:srgbClr val="FFFF00"/>
+                </a:highlight>
                 <a:latin typeface="Georgia"/>
                 <a:cs typeface="Georgia"/>
               </a:rPr>
@@ -34781,6 +35288,9 @@
             </a:r>
             <a:r>
               <a:rPr sz="1800" spc="-25" dirty="0">
+                <a:highlight>
+                  <a:srgbClr val="FFFF00"/>
+                </a:highlight>
                 <a:latin typeface="Georgia"/>
                 <a:cs typeface="Georgia"/>
               </a:rPr>
@@ -34788,6 +35298,9 @@
             </a:r>
             <a:r>
               <a:rPr sz="1800" spc="-20" dirty="0">
+                <a:highlight>
+                  <a:srgbClr val="FFFF00"/>
+                </a:highlight>
                 <a:latin typeface="Georgia"/>
                 <a:cs typeface="Georgia"/>
               </a:rPr>
@@ -34795,6 +35308,9 @@
             </a:r>
             <a:r>
               <a:rPr sz="1800" dirty="0">
+                <a:highlight>
+                  <a:srgbClr val="FFFF00"/>
+                </a:highlight>
                 <a:latin typeface="Georgia"/>
                 <a:cs typeface="Georgia"/>
               </a:rPr>
@@ -34802,6 +35318,9 @@
             </a:r>
             <a:r>
               <a:rPr sz="1800" spc="-55" dirty="0">
+                <a:highlight>
+                  <a:srgbClr val="FFFF00"/>
+                </a:highlight>
                 <a:latin typeface="Georgia"/>
                 <a:cs typeface="Georgia"/>
               </a:rPr>
@@ -34809,6 +35328,9 @@
             </a:r>
             <a:r>
               <a:rPr sz="1800" dirty="0">
+                <a:highlight>
+                  <a:srgbClr val="FFFF00"/>
+                </a:highlight>
                 <a:latin typeface="Georgia"/>
                 <a:cs typeface="Georgia"/>
               </a:rPr>
@@ -34816,6 +35338,9 @@
             </a:r>
             <a:r>
               <a:rPr sz="1800" spc="-55" dirty="0">
+                <a:highlight>
+                  <a:srgbClr val="FFFF00"/>
+                </a:highlight>
                 <a:latin typeface="Georgia"/>
                 <a:cs typeface="Georgia"/>
               </a:rPr>
@@ -34865,6 +35390,9 @@
             </a:pPr>
             <a:r>
               <a:rPr sz="1800" dirty="0">
+                <a:highlight>
+                  <a:srgbClr val="FFFF00"/>
+                </a:highlight>
                 <a:latin typeface="Georgia"/>
                 <a:cs typeface="Georgia"/>
               </a:rPr>
@@ -34872,6 +35400,9 @@
             </a:r>
             <a:r>
               <a:rPr sz="1800" spc="-45" dirty="0">
+                <a:highlight>
+                  <a:srgbClr val="FFFF00"/>
+                </a:highlight>
                 <a:latin typeface="Georgia"/>
                 <a:cs typeface="Georgia"/>
               </a:rPr>
@@ -34879,6 +35410,9 @@
             </a:r>
             <a:r>
               <a:rPr sz="1800" dirty="0">
+                <a:highlight>
+                  <a:srgbClr val="FFFF00"/>
+                </a:highlight>
                 <a:latin typeface="Georgia"/>
                 <a:cs typeface="Georgia"/>
               </a:rPr>
@@ -34886,6 +35420,9 @@
             </a:r>
             <a:r>
               <a:rPr sz="1800" spc="-35" dirty="0">
+                <a:highlight>
+                  <a:srgbClr val="FFFF00"/>
+                </a:highlight>
                 <a:latin typeface="Georgia"/>
                 <a:cs typeface="Georgia"/>
               </a:rPr>
@@ -34893,6 +35430,9 @@
             </a:r>
             <a:r>
               <a:rPr sz="1800" spc="-10" dirty="0">
+                <a:highlight>
+                  <a:srgbClr val="FFFF00"/>
+                </a:highlight>
                 <a:latin typeface="Georgia"/>
                 <a:cs typeface="Georgia"/>
               </a:rPr>
@@ -34900,6 +35440,9 @@
             </a:r>
             <a:r>
               <a:rPr sz="1800" spc="-35" dirty="0">
+                <a:highlight>
+                  <a:srgbClr val="FFFF00"/>
+                </a:highlight>
                 <a:latin typeface="Georgia"/>
                 <a:cs typeface="Georgia"/>
               </a:rPr>
@@ -34907,6 +35450,9 @@
             </a:r>
             <a:r>
               <a:rPr sz="1800" dirty="0">
+                <a:highlight>
+                  <a:srgbClr val="FFFF00"/>
+                </a:highlight>
                 <a:latin typeface="Georgia"/>
                 <a:cs typeface="Georgia"/>
               </a:rPr>
@@ -34914,6 +35460,9 @@
             </a:r>
             <a:r>
               <a:rPr sz="1800" spc="-30" dirty="0">
+                <a:highlight>
+                  <a:srgbClr val="FFFF00"/>
+                </a:highlight>
                 <a:latin typeface="Georgia"/>
                 <a:cs typeface="Georgia"/>
               </a:rPr>
@@ -34921,6 +35470,9 @@
             </a:r>
             <a:r>
               <a:rPr sz="1800" dirty="0">
+                <a:highlight>
+                  <a:srgbClr val="FFFF00"/>
+                </a:highlight>
                 <a:latin typeface="Georgia"/>
                 <a:cs typeface="Georgia"/>
               </a:rPr>
@@ -34928,6 +35480,9 @@
             </a:r>
             <a:r>
               <a:rPr sz="1800" spc="-50" dirty="0">
+                <a:highlight>
+                  <a:srgbClr val="FFFF00"/>
+                </a:highlight>
                 <a:latin typeface="Georgia"/>
                 <a:cs typeface="Georgia"/>
               </a:rPr>
@@ -34935,6 +35490,9 @@
             </a:r>
             <a:r>
               <a:rPr sz="1800" dirty="0">
+                <a:highlight>
+                  <a:srgbClr val="FFFF00"/>
+                </a:highlight>
                 <a:latin typeface="Georgia"/>
                 <a:cs typeface="Georgia"/>
               </a:rPr>
@@ -34942,6 +35500,9 @@
             </a:r>
             <a:r>
               <a:rPr sz="1800" spc="-45" dirty="0">
+                <a:highlight>
+                  <a:srgbClr val="FFFF00"/>
+                </a:highlight>
                 <a:latin typeface="Georgia"/>
                 <a:cs typeface="Georgia"/>
               </a:rPr>
@@ -34949,6 +35510,9 @@
             </a:r>
             <a:r>
               <a:rPr sz="1800" dirty="0">
+                <a:highlight>
+                  <a:srgbClr val="FFFF00"/>
+                </a:highlight>
                 <a:latin typeface="Georgia"/>
                 <a:cs typeface="Georgia"/>
               </a:rPr>
@@ -34956,6 +35520,9 @@
             </a:r>
             <a:r>
               <a:rPr sz="1800" spc="-60" dirty="0">
+                <a:highlight>
+                  <a:srgbClr val="FFFF00"/>
+                </a:highlight>
                 <a:latin typeface="Georgia"/>
                 <a:cs typeface="Georgia"/>
               </a:rPr>
@@ -34963,6 +35530,9 @@
             </a:r>
             <a:r>
               <a:rPr sz="1800" dirty="0">
+                <a:highlight>
+                  <a:srgbClr val="FFFF00"/>
+                </a:highlight>
                 <a:latin typeface="Georgia"/>
                 <a:cs typeface="Georgia"/>
               </a:rPr>
@@ -34970,6 +35540,9 @@
             </a:r>
             <a:r>
               <a:rPr sz="1800" spc="-45" dirty="0">
+                <a:highlight>
+                  <a:srgbClr val="FFFF00"/>
+                </a:highlight>
                 <a:latin typeface="Georgia"/>
                 <a:cs typeface="Georgia"/>
               </a:rPr>
@@ -34977,6 +35550,9 @@
             </a:r>
             <a:r>
               <a:rPr sz="1800" spc="-25" dirty="0">
+                <a:highlight>
+                  <a:srgbClr val="FFFF00"/>
+                </a:highlight>
                 <a:latin typeface="Georgia"/>
                 <a:cs typeface="Georgia"/>
               </a:rPr>
@@ -34984,6 +35560,9 @@
             </a:r>
             <a:r>
               <a:rPr sz="1800" spc="-10" dirty="0">
+                <a:highlight>
+                  <a:srgbClr val="FFFF00"/>
+                </a:highlight>
                 <a:latin typeface="Georgia"/>
                 <a:cs typeface="Georgia"/>
               </a:rPr>
@@ -34991,6 +35570,9 @@
             </a:r>
             <a:r>
               <a:rPr sz="1800" dirty="0">
+                <a:highlight>
+                  <a:srgbClr val="FFFF00"/>
+                </a:highlight>
                 <a:latin typeface="Georgia"/>
                 <a:cs typeface="Georgia"/>
               </a:rPr>
@@ -34998,6 +35580,9 @@
             </a:r>
             <a:r>
               <a:rPr sz="1800" spc="-60" dirty="0">
+                <a:highlight>
+                  <a:srgbClr val="FFFF00"/>
+                </a:highlight>
                 <a:latin typeface="Georgia"/>
                 <a:cs typeface="Georgia"/>
               </a:rPr>
@@ -35005,12 +35590,18 @@
             </a:r>
             <a:r>
               <a:rPr sz="1800" spc="-10" dirty="0">
+                <a:highlight>
+                  <a:srgbClr val="FFFF00"/>
+                </a:highlight>
                 <a:latin typeface="Georgia"/>
                 <a:cs typeface="Georgia"/>
               </a:rPr>
               <a:t>irányelveihez.</a:t>
             </a:r>
             <a:endParaRPr sz="1800" dirty="0">
+              <a:highlight>
+                <a:srgbClr val="FFFF00"/>
+              </a:highlight>
               <a:latin typeface="Georgia"/>
               <a:cs typeface="Georgia"/>
             </a:endParaRPr>
@@ -35318,6 +35909,9 @@
                 <a:solidFill>
                   <a:srgbClr val="438085"/>
                 </a:solidFill>
+                <a:highlight>
+                  <a:srgbClr val="FFFF00"/>
+                </a:highlight>
                 <a:latin typeface="Georgia"/>
                 <a:cs typeface="Georgia"/>
               </a:rPr>
@@ -35328,6 +35922,9 @@
                 <a:solidFill>
                   <a:srgbClr val="438085"/>
                 </a:solidFill>
+                <a:highlight>
+                  <a:srgbClr val="FFFF00"/>
+                </a:highlight>
                 <a:latin typeface="Georgia"/>
                 <a:cs typeface="Georgia"/>
               </a:rPr>
@@ -35335,6 +35932,9 @@
             </a:r>
             <a:r>
               <a:rPr sz="1900" dirty="0">
+                <a:highlight>
+                  <a:srgbClr val="FFFF00"/>
+                </a:highlight>
                 <a:latin typeface="Georgia"/>
                 <a:cs typeface="Georgia"/>
               </a:rPr>
@@ -35342,13 +35942,19 @@
             </a:r>
             <a:r>
               <a:rPr sz="1900" spc="-45" dirty="0">
-                <a:latin typeface="Georgia"/>
-                <a:cs typeface="Georgia"/>
-              </a:rPr>
-              <a:t> </a:t>
-            </a:r>
-            <a:r>
-              <a:rPr sz="1900" dirty="0">
+                <a:highlight>
+                  <a:srgbClr val="FFFF00"/>
+                </a:highlight>
+                <a:latin typeface="Georgia"/>
+                <a:cs typeface="Georgia"/>
+              </a:rPr>
+              <a:t> </a:t>
+            </a:r>
+            <a:r>
+              <a:rPr sz="1900" dirty="0">
+                <a:highlight>
+                  <a:srgbClr val="FFFF00"/>
+                </a:highlight>
                 <a:latin typeface="Georgia"/>
                 <a:cs typeface="Georgia"/>
               </a:rPr>
@@ -35356,13 +35962,19 @@
             </a:r>
             <a:r>
               <a:rPr sz="1900" spc="-35" dirty="0">
-                <a:latin typeface="Georgia"/>
-                <a:cs typeface="Georgia"/>
-              </a:rPr>
-              <a:t> </a:t>
-            </a:r>
-            <a:r>
-              <a:rPr sz="1900" dirty="0">
+                <a:highlight>
+                  <a:srgbClr val="FFFF00"/>
+                </a:highlight>
+                <a:latin typeface="Georgia"/>
+                <a:cs typeface="Georgia"/>
+              </a:rPr>
+              <a:t> </a:t>
+            </a:r>
+            <a:r>
+              <a:rPr sz="1900" dirty="0">
+                <a:highlight>
+                  <a:srgbClr val="FFFF00"/>
+                </a:highlight>
                 <a:latin typeface="Georgia"/>
                 <a:cs typeface="Georgia"/>
               </a:rPr>
@@ -35370,13 +35982,19 @@
             </a:r>
             <a:r>
               <a:rPr sz="1900" spc="-30" dirty="0">
-                <a:latin typeface="Georgia"/>
-                <a:cs typeface="Georgia"/>
-              </a:rPr>
-              <a:t> </a:t>
-            </a:r>
-            <a:r>
-              <a:rPr sz="1900" dirty="0">
+                <a:highlight>
+                  <a:srgbClr val="FFFF00"/>
+                </a:highlight>
+                <a:latin typeface="Georgia"/>
+                <a:cs typeface="Georgia"/>
+              </a:rPr>
+              <a:t> </a:t>
+            </a:r>
+            <a:r>
+              <a:rPr sz="1900" dirty="0">
+                <a:highlight>
+                  <a:srgbClr val="FFFF00"/>
+                </a:highlight>
                 <a:latin typeface="Georgia"/>
                 <a:cs typeface="Georgia"/>
               </a:rPr>
@@ -35384,13 +36002,19 @@
             </a:r>
             <a:r>
               <a:rPr sz="1900" spc="-45" dirty="0">
-                <a:latin typeface="Georgia"/>
-                <a:cs typeface="Georgia"/>
-              </a:rPr>
-              <a:t> </a:t>
-            </a:r>
-            <a:r>
-              <a:rPr sz="1900" dirty="0">
+                <a:highlight>
+                  <a:srgbClr val="FFFF00"/>
+                </a:highlight>
+                <a:latin typeface="Georgia"/>
+                <a:cs typeface="Georgia"/>
+              </a:rPr>
+              <a:t> </a:t>
+            </a:r>
+            <a:r>
+              <a:rPr sz="1900" dirty="0">
+                <a:highlight>
+                  <a:srgbClr val="FFFF00"/>
+                </a:highlight>
                 <a:latin typeface="Georgia"/>
                 <a:cs typeface="Georgia"/>
               </a:rPr>
@@ -35398,13 +36022,19 @@
             </a:r>
             <a:r>
               <a:rPr sz="1900" spc="-35" dirty="0">
-                <a:latin typeface="Georgia"/>
-                <a:cs typeface="Georgia"/>
-              </a:rPr>
-              <a:t> </a:t>
-            </a:r>
-            <a:r>
-              <a:rPr sz="1900" dirty="0">
+                <a:highlight>
+                  <a:srgbClr val="FFFF00"/>
+                </a:highlight>
+                <a:latin typeface="Georgia"/>
+                <a:cs typeface="Georgia"/>
+              </a:rPr>
+              <a:t> </a:t>
+            </a:r>
+            <a:r>
+              <a:rPr sz="1900" dirty="0">
+                <a:highlight>
+                  <a:srgbClr val="FFFF00"/>
+                </a:highlight>
                 <a:latin typeface="Georgia"/>
                 <a:cs typeface="Georgia"/>
               </a:rPr>
@@ -35412,13 +36042,19 @@
             </a:r>
             <a:r>
               <a:rPr sz="1900" spc="-35" dirty="0">
-                <a:latin typeface="Georgia"/>
-                <a:cs typeface="Georgia"/>
-              </a:rPr>
-              <a:t> </a:t>
-            </a:r>
-            <a:r>
-              <a:rPr sz="1900" dirty="0">
+                <a:highlight>
+                  <a:srgbClr val="FFFF00"/>
+                </a:highlight>
+                <a:latin typeface="Georgia"/>
+                <a:cs typeface="Georgia"/>
+              </a:rPr>
+              <a:t> </a:t>
+            </a:r>
+            <a:r>
+              <a:rPr sz="1900" dirty="0">
+                <a:highlight>
+                  <a:srgbClr val="FFFF00"/>
+                </a:highlight>
                 <a:latin typeface="Georgia"/>
                 <a:cs typeface="Georgia"/>
               </a:rPr>
@@ -35426,6 +36062,9 @@
             </a:r>
             <a:r>
               <a:rPr sz="1900" spc="-45" dirty="0">
+                <a:highlight>
+                  <a:srgbClr val="FFFF00"/>
+                </a:highlight>
                 <a:latin typeface="Georgia"/>
                 <a:cs typeface="Georgia"/>
               </a:rPr>
@@ -35433,12 +36072,18 @@
             </a:r>
             <a:r>
               <a:rPr sz="1900" spc="-10" dirty="0">
+                <a:highlight>
+                  <a:srgbClr val="FFFF00"/>
+                </a:highlight>
                 <a:latin typeface="Georgia"/>
                 <a:cs typeface="Georgia"/>
               </a:rPr>
               <a:t>szoftvereket.</a:t>
             </a:r>
             <a:endParaRPr sz="1900" dirty="0">
+              <a:highlight>
+                <a:srgbClr val="FFFF00"/>
+              </a:highlight>
               <a:latin typeface="Georgia"/>
               <a:cs typeface="Georgia"/>
             </a:endParaRPr>
@@ -35460,6 +36105,9 @@
                 <a:solidFill>
                   <a:srgbClr val="438085"/>
                 </a:solidFill>
+                <a:highlight>
+                  <a:srgbClr val="FFFF00"/>
+                </a:highlight>
                 <a:latin typeface="Georgia"/>
                 <a:cs typeface="Georgia"/>
               </a:rPr>
@@ -35470,6 +36118,9 @@
                 <a:solidFill>
                   <a:srgbClr val="438085"/>
                 </a:solidFill>
+                <a:highlight>
+                  <a:srgbClr val="FFFF00"/>
+                </a:highlight>
                 <a:latin typeface="Georgia"/>
                 <a:cs typeface="Georgia"/>
               </a:rPr>
@@ -35477,6 +36128,9 @@
             </a:r>
             <a:r>
               <a:rPr sz="1900" dirty="0">
+                <a:highlight>
+                  <a:srgbClr val="FFFF00"/>
+                </a:highlight>
                 <a:latin typeface="Georgia"/>
                 <a:cs typeface="Georgia"/>
               </a:rPr>
@@ -35484,13 +36138,19 @@
             </a:r>
             <a:r>
               <a:rPr sz="1900" spc="-50" dirty="0">
-                <a:latin typeface="Georgia"/>
-                <a:cs typeface="Georgia"/>
-              </a:rPr>
-              <a:t> </a:t>
-            </a:r>
-            <a:r>
-              <a:rPr sz="1900" dirty="0">
+                <a:highlight>
+                  <a:srgbClr val="FFFF00"/>
+                </a:highlight>
+                <a:latin typeface="Georgia"/>
+                <a:cs typeface="Georgia"/>
+              </a:rPr>
+              <a:t> </a:t>
+            </a:r>
+            <a:r>
+              <a:rPr sz="1900" dirty="0">
+                <a:highlight>
+                  <a:srgbClr val="FFFF00"/>
+                </a:highlight>
                 <a:latin typeface="Georgia"/>
                 <a:cs typeface="Georgia"/>
               </a:rPr>
@@ -35498,13 +36158,19 @@
             </a:r>
             <a:r>
               <a:rPr sz="1900" spc="-30" dirty="0">
-                <a:latin typeface="Georgia"/>
-                <a:cs typeface="Georgia"/>
-              </a:rPr>
-              <a:t> </a:t>
-            </a:r>
-            <a:r>
-              <a:rPr sz="1900" dirty="0">
+                <a:highlight>
+                  <a:srgbClr val="FFFF00"/>
+                </a:highlight>
+                <a:latin typeface="Georgia"/>
+                <a:cs typeface="Georgia"/>
+              </a:rPr>
+              <a:t> </a:t>
+            </a:r>
+            <a:r>
+              <a:rPr sz="1900" dirty="0">
+                <a:highlight>
+                  <a:srgbClr val="FFFF00"/>
+                </a:highlight>
                 <a:latin typeface="Georgia"/>
                 <a:cs typeface="Georgia"/>
               </a:rPr>
@@ -35512,13 +36178,19 @@
             </a:r>
             <a:r>
               <a:rPr sz="1900" spc="-60" dirty="0">
-                <a:latin typeface="Georgia"/>
-                <a:cs typeface="Georgia"/>
-              </a:rPr>
-              <a:t> </a:t>
-            </a:r>
-            <a:r>
-              <a:rPr sz="1900" dirty="0">
+                <a:highlight>
+                  <a:srgbClr val="FFFF00"/>
+                </a:highlight>
+                <a:latin typeface="Georgia"/>
+                <a:cs typeface="Georgia"/>
+              </a:rPr>
+              <a:t> </a:t>
+            </a:r>
+            <a:r>
+              <a:rPr sz="1900" dirty="0">
+                <a:highlight>
+                  <a:srgbClr val="FFFF00"/>
+                </a:highlight>
                 <a:latin typeface="Georgia"/>
                 <a:cs typeface="Georgia"/>
               </a:rPr>
@@ -35526,13 +36198,19 @@
             </a:r>
             <a:r>
               <a:rPr sz="1900" spc="-35" dirty="0">
-                <a:latin typeface="Georgia"/>
-                <a:cs typeface="Georgia"/>
-              </a:rPr>
-              <a:t> </a:t>
-            </a:r>
-            <a:r>
-              <a:rPr sz="1900" dirty="0">
+                <a:highlight>
+                  <a:srgbClr val="FFFF00"/>
+                </a:highlight>
+                <a:latin typeface="Georgia"/>
+                <a:cs typeface="Georgia"/>
+              </a:rPr>
+              <a:t> </a:t>
+            </a:r>
+            <a:r>
+              <a:rPr sz="1900" dirty="0">
+                <a:highlight>
+                  <a:srgbClr val="FFFF00"/>
+                </a:highlight>
                 <a:latin typeface="Times New Roman"/>
                 <a:cs typeface="Times New Roman"/>
               </a:rPr>
@@ -35540,6 +36218,9 @@
             </a:r>
             <a:r>
               <a:rPr sz="1900" spc="-55" dirty="0">
+                <a:highlight>
+                  <a:srgbClr val="FFFF00"/>
+                </a:highlight>
                 <a:latin typeface="Times New Roman"/>
                 <a:cs typeface="Times New Roman"/>
               </a:rPr>
@@ -35547,6 +36228,9 @@
             </a:r>
             <a:r>
               <a:rPr sz="1900" dirty="0">
+                <a:highlight>
+                  <a:srgbClr val="FFFF00"/>
+                </a:highlight>
                 <a:latin typeface="Georgia"/>
                 <a:cs typeface="Georgia"/>
               </a:rPr>
@@ -35554,13 +36238,19 @@
             </a:r>
             <a:r>
               <a:rPr sz="1900" spc="-55" dirty="0">
-                <a:latin typeface="Georgia"/>
-                <a:cs typeface="Georgia"/>
-              </a:rPr>
-              <a:t> </a:t>
-            </a:r>
-            <a:r>
-              <a:rPr sz="1900" dirty="0">
+                <a:highlight>
+                  <a:srgbClr val="FFFF00"/>
+                </a:highlight>
+                <a:latin typeface="Georgia"/>
+                <a:cs typeface="Georgia"/>
+              </a:rPr>
+              <a:t> </a:t>
+            </a:r>
+            <a:r>
+              <a:rPr sz="1900" dirty="0">
+                <a:highlight>
+                  <a:srgbClr val="FFFF00"/>
+                </a:highlight>
                 <a:latin typeface="Georgia"/>
                 <a:cs typeface="Georgia"/>
               </a:rPr>
@@ -35568,13 +36258,19 @@
             </a:r>
             <a:r>
               <a:rPr sz="1900" spc="-30" dirty="0">
-                <a:latin typeface="Georgia"/>
-                <a:cs typeface="Georgia"/>
-              </a:rPr>
-              <a:t> </a:t>
-            </a:r>
-            <a:r>
-              <a:rPr sz="1900" dirty="0">
+                <a:highlight>
+                  <a:srgbClr val="FFFF00"/>
+                </a:highlight>
+                <a:latin typeface="Georgia"/>
+                <a:cs typeface="Georgia"/>
+              </a:rPr>
+              <a:t> </a:t>
+            </a:r>
+            <a:r>
+              <a:rPr sz="1900" dirty="0">
+                <a:highlight>
+                  <a:srgbClr val="FFFF00"/>
+                </a:highlight>
                 <a:latin typeface="Georgia"/>
                 <a:cs typeface="Georgia"/>
               </a:rPr>
@@ -35582,13 +36278,19 @@
             </a:r>
             <a:r>
               <a:rPr sz="1900" spc="-50" dirty="0">
-                <a:latin typeface="Georgia"/>
-                <a:cs typeface="Georgia"/>
-              </a:rPr>
-              <a:t> </a:t>
-            </a:r>
-            <a:r>
-              <a:rPr sz="1900" dirty="0">
+                <a:highlight>
+                  <a:srgbClr val="FFFF00"/>
+                </a:highlight>
+                <a:latin typeface="Georgia"/>
+                <a:cs typeface="Georgia"/>
+              </a:rPr>
+              <a:t> </a:t>
+            </a:r>
+            <a:r>
+              <a:rPr sz="1900" dirty="0">
+                <a:highlight>
+                  <a:srgbClr val="FFFF00"/>
+                </a:highlight>
                 <a:latin typeface="Georgia"/>
                 <a:cs typeface="Georgia"/>
               </a:rPr>
@@ -35596,6 +36298,9 @@
             </a:r>
             <a:r>
               <a:rPr sz="1900" spc="-40" dirty="0">
+                <a:highlight>
+                  <a:srgbClr val="FFFF00"/>
+                </a:highlight>
                 <a:latin typeface="Georgia"/>
                 <a:cs typeface="Georgia"/>
               </a:rPr>
@@ -35603,12 +36308,18 @@
             </a:r>
             <a:r>
               <a:rPr sz="1900" spc="-10" dirty="0">
+                <a:highlight>
+                  <a:srgbClr val="FFFF00"/>
+                </a:highlight>
                 <a:latin typeface="Georgia"/>
                 <a:cs typeface="Georgia"/>
               </a:rPr>
               <a:t>helyhiányt.</a:t>
             </a:r>
             <a:endParaRPr sz="1900" dirty="0">
+              <a:highlight>
+                <a:srgbClr val="FFFF00"/>
+              </a:highlight>
               <a:latin typeface="Georgia"/>
               <a:cs typeface="Georgia"/>
             </a:endParaRPr>
@@ -35685,6 +36396,9 @@
                 <a:solidFill>
                   <a:srgbClr val="438085"/>
                 </a:solidFill>
+                <a:highlight>
+                  <a:srgbClr val="FFFF00"/>
+                </a:highlight>
                 <a:latin typeface="Georgia"/>
                 <a:cs typeface="Georgia"/>
               </a:rPr>
@@ -35695,6 +36409,9 @@
                 <a:solidFill>
                   <a:srgbClr val="438085"/>
                 </a:solidFill>
+                <a:highlight>
+                  <a:srgbClr val="FFFF00"/>
+                </a:highlight>
                 <a:latin typeface="Georgia"/>
                 <a:cs typeface="Georgia"/>
               </a:rPr>
@@ -35702,6 +36419,9 @@
             </a:r>
             <a:r>
               <a:rPr sz="1900" dirty="0">
+                <a:highlight>
+                  <a:srgbClr val="FFFF00"/>
+                </a:highlight>
                 <a:latin typeface="Georgia"/>
                 <a:cs typeface="Georgia"/>
               </a:rPr>
@@ -35709,13 +36429,19 @@
             </a:r>
             <a:r>
               <a:rPr sz="1900" spc="-45" dirty="0">
-                <a:latin typeface="Georgia"/>
-                <a:cs typeface="Georgia"/>
-              </a:rPr>
-              <a:t> </a:t>
-            </a:r>
-            <a:r>
-              <a:rPr sz="1900" dirty="0">
+                <a:highlight>
+                  <a:srgbClr val="FFFF00"/>
+                </a:highlight>
+                <a:latin typeface="Georgia"/>
+                <a:cs typeface="Georgia"/>
+              </a:rPr>
+              <a:t> </a:t>
+            </a:r>
+            <a:r>
+              <a:rPr sz="1900" dirty="0">
+                <a:highlight>
+                  <a:srgbClr val="FFFF00"/>
+                </a:highlight>
                 <a:latin typeface="Georgia"/>
                 <a:cs typeface="Georgia"/>
               </a:rPr>
@@ -35723,13 +36449,19 @@
             </a:r>
             <a:r>
               <a:rPr sz="1900" spc="-40" dirty="0">
-                <a:latin typeface="Georgia"/>
-                <a:cs typeface="Georgia"/>
-              </a:rPr>
-              <a:t> </a:t>
-            </a:r>
-            <a:r>
-              <a:rPr sz="1900" dirty="0">
+                <a:highlight>
+                  <a:srgbClr val="FFFF00"/>
+                </a:highlight>
+                <a:latin typeface="Georgia"/>
+                <a:cs typeface="Georgia"/>
+              </a:rPr>
+              <a:t> </a:t>
+            </a:r>
+            <a:r>
+              <a:rPr sz="1900" dirty="0">
+                <a:highlight>
+                  <a:srgbClr val="FFFF00"/>
+                </a:highlight>
                 <a:latin typeface="Georgia"/>
                 <a:cs typeface="Georgia"/>
               </a:rPr>
@@ -35737,13 +36469,19 @@
             </a:r>
             <a:r>
               <a:rPr sz="1900" spc="-60" dirty="0">
-                <a:latin typeface="Georgia"/>
-                <a:cs typeface="Georgia"/>
-              </a:rPr>
-              <a:t> </a:t>
-            </a:r>
-            <a:r>
-              <a:rPr sz="1900" dirty="0">
+                <a:highlight>
+                  <a:srgbClr val="FFFF00"/>
+                </a:highlight>
+                <a:latin typeface="Georgia"/>
+                <a:cs typeface="Georgia"/>
+              </a:rPr>
+              <a:t> </a:t>
+            </a:r>
+            <a:r>
+              <a:rPr sz="1900" dirty="0">
+                <a:highlight>
+                  <a:srgbClr val="FFFF00"/>
+                </a:highlight>
                 <a:latin typeface="Georgia"/>
                 <a:cs typeface="Georgia"/>
               </a:rPr>
@@ -35751,13 +36489,19 @@
             </a:r>
             <a:r>
               <a:rPr sz="1900" spc="-60" dirty="0">
-                <a:latin typeface="Georgia"/>
-                <a:cs typeface="Georgia"/>
-              </a:rPr>
-              <a:t> </a:t>
-            </a:r>
-            <a:r>
-              <a:rPr sz="1900" dirty="0">
+                <a:highlight>
+                  <a:srgbClr val="FFFF00"/>
+                </a:highlight>
+                <a:latin typeface="Georgia"/>
+                <a:cs typeface="Georgia"/>
+              </a:rPr>
+              <a:t> </a:t>
+            </a:r>
+            <a:r>
+              <a:rPr sz="1900" dirty="0">
+                <a:highlight>
+                  <a:srgbClr val="FFFF00"/>
+                </a:highlight>
                 <a:latin typeface="Georgia"/>
                 <a:cs typeface="Georgia"/>
               </a:rPr>
@@ -35765,13 +36509,19 @@
             </a:r>
             <a:r>
               <a:rPr sz="1900" spc="-45" dirty="0">
-                <a:latin typeface="Georgia"/>
-                <a:cs typeface="Georgia"/>
-              </a:rPr>
-              <a:t> </a:t>
-            </a:r>
-            <a:r>
-              <a:rPr sz="1900" dirty="0">
+                <a:highlight>
+                  <a:srgbClr val="FFFF00"/>
+                </a:highlight>
+                <a:latin typeface="Georgia"/>
+                <a:cs typeface="Georgia"/>
+              </a:rPr>
+              <a:t> </a:t>
+            </a:r>
+            <a:r>
+              <a:rPr sz="1900" dirty="0">
+                <a:highlight>
+                  <a:srgbClr val="FFFF00"/>
+                </a:highlight>
                 <a:latin typeface="Georgia"/>
                 <a:cs typeface="Georgia"/>
               </a:rPr>
@@ -35779,6 +36529,9 @@
             </a:r>
             <a:r>
               <a:rPr sz="1900" spc="-75" dirty="0">
+                <a:highlight>
+                  <a:srgbClr val="FFFF00"/>
+                </a:highlight>
                 <a:latin typeface="Georgia"/>
                 <a:cs typeface="Georgia"/>
               </a:rPr>
@@ -35786,12 +36539,18 @@
             </a:r>
             <a:r>
               <a:rPr sz="1900" spc="-10" dirty="0">
+                <a:highlight>
+                  <a:srgbClr val="FFFF00"/>
+                </a:highlight>
                 <a:latin typeface="Georgia"/>
                 <a:cs typeface="Georgia"/>
               </a:rPr>
               <a:t>felszabadításához.</a:t>
             </a:r>
             <a:endParaRPr sz="1900" dirty="0">
+              <a:highlight>
+                <a:srgbClr val="FFFF00"/>
+              </a:highlight>
               <a:latin typeface="Georgia"/>
               <a:cs typeface="Georgia"/>
             </a:endParaRPr>
@@ -35813,6 +36572,9 @@
                 <a:solidFill>
                   <a:srgbClr val="438085"/>
                 </a:solidFill>
+                <a:highlight>
+                  <a:srgbClr val="FFFF00"/>
+                </a:highlight>
                 <a:latin typeface="Georgia"/>
                 <a:cs typeface="Georgia"/>
               </a:rPr>
@@ -35823,6 +36585,9 @@
                 <a:solidFill>
                   <a:srgbClr val="438085"/>
                 </a:solidFill>
+                <a:highlight>
+                  <a:srgbClr val="FFFF00"/>
+                </a:highlight>
                 <a:latin typeface="Georgia"/>
                 <a:cs typeface="Georgia"/>
               </a:rPr>
@@ -35830,6 +36595,9 @@
             </a:r>
             <a:r>
               <a:rPr sz="1900" dirty="0">
+                <a:highlight>
+                  <a:srgbClr val="FFFF00"/>
+                </a:highlight>
                 <a:latin typeface="Georgia"/>
                 <a:cs typeface="Georgia"/>
               </a:rPr>
@@ -35837,13 +36605,19 @@
             </a:r>
             <a:r>
               <a:rPr sz="1900" spc="-50" dirty="0">
-                <a:latin typeface="Georgia"/>
-                <a:cs typeface="Georgia"/>
-              </a:rPr>
-              <a:t> </a:t>
-            </a:r>
-            <a:r>
-              <a:rPr sz="1900" dirty="0">
+                <a:highlight>
+                  <a:srgbClr val="FFFF00"/>
+                </a:highlight>
+                <a:latin typeface="Georgia"/>
+                <a:cs typeface="Georgia"/>
+              </a:rPr>
+              <a:t> </a:t>
+            </a:r>
+            <a:r>
+              <a:rPr sz="1900" dirty="0">
+                <a:highlight>
+                  <a:srgbClr val="FFFF00"/>
+                </a:highlight>
                 <a:latin typeface="Georgia"/>
                 <a:cs typeface="Georgia"/>
               </a:rPr>
@@ -35851,13 +36625,19 @@
             </a:r>
             <a:r>
               <a:rPr sz="1900" spc="-45" dirty="0">
-                <a:latin typeface="Georgia"/>
-                <a:cs typeface="Georgia"/>
-              </a:rPr>
-              <a:t> </a:t>
-            </a:r>
-            <a:r>
-              <a:rPr sz="1900" dirty="0">
+                <a:highlight>
+                  <a:srgbClr val="FFFF00"/>
+                </a:highlight>
+                <a:latin typeface="Georgia"/>
+                <a:cs typeface="Georgia"/>
+              </a:rPr>
+              <a:t> </a:t>
+            </a:r>
+            <a:r>
+              <a:rPr sz="1900" dirty="0">
+                <a:highlight>
+                  <a:srgbClr val="FFFF00"/>
+                </a:highlight>
                 <a:latin typeface="Georgia"/>
                 <a:cs typeface="Georgia"/>
               </a:rPr>
@@ -35865,13 +36645,19 @@
             </a:r>
             <a:r>
               <a:rPr sz="1900" spc="-50" dirty="0">
-                <a:latin typeface="Georgia"/>
-                <a:cs typeface="Georgia"/>
-              </a:rPr>
-              <a:t> </a:t>
-            </a:r>
-            <a:r>
-              <a:rPr sz="1900" dirty="0">
+                <a:highlight>
+                  <a:srgbClr val="FFFF00"/>
+                </a:highlight>
+                <a:latin typeface="Georgia"/>
+                <a:cs typeface="Georgia"/>
+              </a:rPr>
+              <a:t> </a:t>
+            </a:r>
+            <a:r>
+              <a:rPr sz="1900" dirty="0">
+                <a:highlight>
+                  <a:srgbClr val="FFFF00"/>
+                </a:highlight>
                 <a:latin typeface="Georgia"/>
                 <a:cs typeface="Georgia"/>
               </a:rPr>
@@ -35879,13 +36665,19 @@
             </a:r>
             <a:r>
               <a:rPr sz="1900" spc="-65" dirty="0">
-                <a:latin typeface="Georgia"/>
-                <a:cs typeface="Georgia"/>
-              </a:rPr>
-              <a:t> </a:t>
-            </a:r>
-            <a:r>
-              <a:rPr sz="1900" dirty="0">
+                <a:highlight>
+                  <a:srgbClr val="FFFF00"/>
+                </a:highlight>
+                <a:latin typeface="Georgia"/>
+                <a:cs typeface="Georgia"/>
+              </a:rPr>
+              <a:t> </a:t>
+            </a:r>
+            <a:r>
+              <a:rPr sz="1900" dirty="0">
+                <a:highlight>
+                  <a:srgbClr val="FFFF00"/>
+                </a:highlight>
                 <a:latin typeface="Georgia"/>
                 <a:cs typeface="Georgia"/>
               </a:rPr>
@@ -35893,13 +36685,19 @@
             </a:r>
             <a:r>
               <a:rPr sz="1900" spc="-35" dirty="0">
-                <a:latin typeface="Georgia"/>
-                <a:cs typeface="Georgia"/>
-              </a:rPr>
-              <a:t> </a:t>
-            </a:r>
-            <a:r>
-              <a:rPr sz="1900" dirty="0">
+                <a:highlight>
+                  <a:srgbClr val="FFFF00"/>
+                </a:highlight>
+                <a:latin typeface="Georgia"/>
+                <a:cs typeface="Georgia"/>
+              </a:rPr>
+              <a:t> </a:t>
+            </a:r>
+            <a:r>
+              <a:rPr sz="1900" dirty="0">
+                <a:highlight>
+                  <a:srgbClr val="FFFF00"/>
+                </a:highlight>
                 <a:latin typeface="Georgia"/>
                 <a:cs typeface="Georgia"/>
               </a:rPr>
@@ -35907,13 +36705,19 @@
             </a:r>
             <a:r>
               <a:rPr sz="1900" spc="-45" dirty="0">
-                <a:latin typeface="Georgia"/>
-                <a:cs typeface="Georgia"/>
-              </a:rPr>
-              <a:t> </a:t>
-            </a:r>
-            <a:r>
-              <a:rPr sz="1900" dirty="0">
+                <a:highlight>
+                  <a:srgbClr val="FFFF00"/>
+                </a:highlight>
+                <a:latin typeface="Georgia"/>
+                <a:cs typeface="Georgia"/>
+              </a:rPr>
+              <a:t> </a:t>
+            </a:r>
+            <a:r>
+              <a:rPr sz="1900" dirty="0">
+                <a:highlight>
+                  <a:srgbClr val="FFFF00"/>
+                </a:highlight>
                 <a:latin typeface="Georgia"/>
                 <a:cs typeface="Georgia"/>
               </a:rPr>
@@ -35921,6 +36725,9 @@
             </a:r>
             <a:r>
               <a:rPr sz="1900" spc="-40" dirty="0">
+                <a:highlight>
+                  <a:srgbClr val="FFFF00"/>
+                </a:highlight>
                 <a:latin typeface="Georgia"/>
                 <a:cs typeface="Georgia"/>
               </a:rPr>
@@ -35928,12 +36735,18 @@
             </a:r>
             <a:r>
               <a:rPr sz="1900" spc="-10" dirty="0">
+                <a:highlight>
+                  <a:srgbClr val="FFFF00"/>
+                </a:highlight>
                 <a:latin typeface="Georgia"/>
                 <a:cs typeface="Georgia"/>
               </a:rPr>
               <a:t>törlése.</a:t>
             </a:r>
             <a:endParaRPr sz="1900" dirty="0">
+              <a:highlight>
+                <a:srgbClr val="FFFF00"/>
+              </a:highlight>
               <a:latin typeface="Georgia"/>
               <a:cs typeface="Georgia"/>
             </a:endParaRPr>
@@ -36010,6 +36823,9 @@
                 <a:solidFill>
                   <a:srgbClr val="438085"/>
                 </a:solidFill>
+                <a:highlight>
+                  <a:srgbClr val="FFFF00"/>
+                </a:highlight>
                 <a:latin typeface="Georgia"/>
                 <a:cs typeface="Georgia"/>
               </a:rPr>
@@ -36020,6 +36836,9 @@
                 <a:solidFill>
                   <a:srgbClr val="438085"/>
                 </a:solidFill>
+                <a:highlight>
+                  <a:srgbClr val="FFFF00"/>
+                </a:highlight>
                 <a:latin typeface="Georgia"/>
                 <a:cs typeface="Georgia"/>
               </a:rPr>
@@ -36027,6 +36846,9 @@
             </a:r>
             <a:r>
               <a:rPr sz="1900" dirty="0">
+                <a:highlight>
+                  <a:srgbClr val="FFFF00"/>
+                </a:highlight>
                 <a:latin typeface="Georgia"/>
                 <a:cs typeface="Georgia"/>
               </a:rPr>
@@ -36034,13 +36856,19 @@
             </a:r>
             <a:r>
               <a:rPr sz="1900" spc="-45" dirty="0">
-                <a:latin typeface="Georgia"/>
-                <a:cs typeface="Georgia"/>
-              </a:rPr>
-              <a:t> </a:t>
-            </a:r>
-            <a:r>
-              <a:rPr sz="1900" dirty="0">
+                <a:highlight>
+                  <a:srgbClr val="FFFF00"/>
+                </a:highlight>
+                <a:latin typeface="Georgia"/>
+                <a:cs typeface="Georgia"/>
+              </a:rPr>
+              <a:t> </a:t>
+            </a:r>
+            <a:r>
+              <a:rPr sz="1900" dirty="0">
+                <a:highlight>
+                  <a:srgbClr val="FFFF00"/>
+                </a:highlight>
                 <a:latin typeface="Georgia"/>
                 <a:cs typeface="Georgia"/>
               </a:rPr>
@@ -36048,13 +36876,19 @@
             </a:r>
             <a:r>
               <a:rPr sz="1900" spc="-80" dirty="0">
-                <a:latin typeface="Georgia"/>
-                <a:cs typeface="Georgia"/>
-              </a:rPr>
-              <a:t> </a:t>
-            </a:r>
-            <a:r>
-              <a:rPr sz="1900" dirty="0">
+                <a:highlight>
+                  <a:srgbClr val="FFFF00"/>
+                </a:highlight>
+                <a:latin typeface="Georgia"/>
+                <a:cs typeface="Georgia"/>
+              </a:rPr>
+              <a:t> </a:t>
+            </a:r>
+            <a:r>
+              <a:rPr sz="1900" dirty="0">
+                <a:highlight>
+                  <a:srgbClr val="FFFF00"/>
+                </a:highlight>
                 <a:latin typeface="Georgia"/>
                 <a:cs typeface="Georgia"/>
               </a:rPr>
@@ -36062,13 +36896,19 @@
             </a:r>
             <a:r>
               <a:rPr sz="1900" spc="-40" dirty="0">
-                <a:latin typeface="Georgia"/>
-                <a:cs typeface="Georgia"/>
-              </a:rPr>
-              <a:t> </a:t>
-            </a:r>
-            <a:r>
-              <a:rPr sz="1900" dirty="0">
+                <a:highlight>
+                  <a:srgbClr val="FFFF00"/>
+                </a:highlight>
+                <a:latin typeface="Georgia"/>
+                <a:cs typeface="Georgia"/>
+              </a:rPr>
+              <a:t> </a:t>
+            </a:r>
+            <a:r>
+              <a:rPr sz="1900" dirty="0">
+                <a:highlight>
+                  <a:srgbClr val="FFFF00"/>
+                </a:highlight>
                 <a:latin typeface="Georgia"/>
                 <a:cs typeface="Georgia"/>
               </a:rPr>
@@ -36076,13 +36916,19 @@
             </a:r>
             <a:r>
               <a:rPr sz="1900" spc="-65" dirty="0">
-                <a:latin typeface="Georgia"/>
-                <a:cs typeface="Georgia"/>
-              </a:rPr>
-              <a:t> </a:t>
-            </a:r>
-            <a:r>
-              <a:rPr sz="1900" dirty="0">
+                <a:highlight>
+                  <a:srgbClr val="FFFF00"/>
+                </a:highlight>
+                <a:latin typeface="Georgia"/>
+                <a:cs typeface="Georgia"/>
+              </a:rPr>
+              <a:t> </a:t>
+            </a:r>
+            <a:r>
+              <a:rPr sz="1900" dirty="0">
+                <a:highlight>
+                  <a:srgbClr val="FFFF00"/>
+                </a:highlight>
                 <a:latin typeface="Georgia"/>
                 <a:cs typeface="Georgia"/>
               </a:rPr>
@@ -36090,13 +36936,19 @@
             </a:r>
             <a:r>
               <a:rPr sz="1900" spc="-55" dirty="0">
-                <a:latin typeface="Georgia"/>
-                <a:cs typeface="Georgia"/>
-              </a:rPr>
-              <a:t> </a:t>
-            </a:r>
-            <a:r>
-              <a:rPr sz="1900" dirty="0">
+                <a:highlight>
+                  <a:srgbClr val="FFFF00"/>
+                </a:highlight>
+                <a:latin typeface="Georgia"/>
+                <a:cs typeface="Georgia"/>
+              </a:rPr>
+              <a:t> </a:t>
+            </a:r>
+            <a:r>
+              <a:rPr sz="1900" dirty="0">
+                <a:highlight>
+                  <a:srgbClr val="FFFF00"/>
+                </a:highlight>
                 <a:latin typeface="Georgia"/>
                 <a:cs typeface="Georgia"/>
               </a:rPr>
@@ -36104,6 +36956,9 @@
             </a:r>
             <a:r>
               <a:rPr sz="1900" spc="-25" dirty="0">
+                <a:highlight>
+                  <a:srgbClr val="FFFF00"/>
+                </a:highlight>
                 <a:latin typeface="Georgia"/>
                 <a:cs typeface="Georgia"/>
               </a:rPr>
@@ -36111,12 +36966,18 @@
             </a:r>
             <a:r>
               <a:rPr sz="1900" spc="-10" dirty="0">
+                <a:highlight>
+                  <a:srgbClr val="FFFF00"/>
+                </a:highlight>
                 <a:latin typeface="Georgia"/>
                 <a:cs typeface="Georgia"/>
               </a:rPr>
               <a:t>(ALTER).</a:t>
             </a:r>
             <a:endParaRPr sz="1900" dirty="0">
+              <a:highlight>
+                <a:srgbClr val="FFFF00"/>
+              </a:highlight>
               <a:latin typeface="Georgia"/>
               <a:cs typeface="Georgia"/>
             </a:endParaRPr>
@@ -36138,6 +36999,9 @@
                 <a:solidFill>
                   <a:srgbClr val="438085"/>
                 </a:solidFill>
+                <a:highlight>
+                  <a:srgbClr val="FFFF00"/>
+                </a:highlight>
                 <a:latin typeface="Georgia"/>
                 <a:cs typeface="Georgia"/>
               </a:rPr>
@@ -36148,6 +37012,9 @@
                 <a:solidFill>
                   <a:srgbClr val="438085"/>
                 </a:solidFill>
+                <a:highlight>
+                  <a:srgbClr val="FFFF00"/>
+                </a:highlight>
                 <a:latin typeface="Georgia"/>
                 <a:cs typeface="Georgia"/>
               </a:rPr>
@@ -36155,6 +37022,9 @@
             </a:r>
             <a:r>
               <a:rPr sz="1900" dirty="0">
+                <a:highlight>
+                  <a:srgbClr val="FFFF00"/>
+                </a:highlight>
                 <a:latin typeface="Georgia"/>
                 <a:cs typeface="Georgia"/>
               </a:rPr>
@@ -36162,13 +37032,19 @@
             </a:r>
             <a:r>
               <a:rPr sz="1900" spc="-50" dirty="0">
-                <a:latin typeface="Georgia"/>
-                <a:cs typeface="Georgia"/>
-              </a:rPr>
-              <a:t> </a:t>
-            </a:r>
-            <a:r>
-              <a:rPr sz="1900" dirty="0">
+                <a:highlight>
+                  <a:srgbClr val="FFFF00"/>
+                </a:highlight>
+                <a:latin typeface="Georgia"/>
+                <a:cs typeface="Georgia"/>
+              </a:rPr>
+              <a:t> </a:t>
+            </a:r>
+            <a:r>
+              <a:rPr sz="1900" dirty="0">
+                <a:highlight>
+                  <a:srgbClr val="FFFF00"/>
+                </a:highlight>
                 <a:latin typeface="Georgia"/>
                 <a:cs typeface="Georgia"/>
               </a:rPr>
@@ -36176,13 +37052,19 @@
             </a:r>
             <a:r>
               <a:rPr sz="1900" spc="-35" dirty="0">
-                <a:latin typeface="Georgia"/>
-                <a:cs typeface="Georgia"/>
-              </a:rPr>
-              <a:t> </a:t>
-            </a:r>
-            <a:r>
-              <a:rPr sz="1900" dirty="0">
+                <a:highlight>
+                  <a:srgbClr val="FFFF00"/>
+                </a:highlight>
+                <a:latin typeface="Georgia"/>
+                <a:cs typeface="Georgia"/>
+              </a:rPr>
+              <a:t> </a:t>
+            </a:r>
+            <a:r>
+              <a:rPr sz="1900" dirty="0">
+                <a:highlight>
+                  <a:srgbClr val="FFFF00"/>
+                </a:highlight>
                 <a:latin typeface="Georgia"/>
                 <a:cs typeface="Georgia"/>
               </a:rPr>
@@ -36190,13 +37072,19 @@
             </a:r>
             <a:r>
               <a:rPr sz="1900" spc="-40" dirty="0">
-                <a:latin typeface="Georgia"/>
-                <a:cs typeface="Georgia"/>
-              </a:rPr>
-              <a:t> </a:t>
-            </a:r>
-            <a:r>
-              <a:rPr sz="1900" dirty="0">
+                <a:highlight>
+                  <a:srgbClr val="FFFF00"/>
+                </a:highlight>
+                <a:latin typeface="Georgia"/>
+                <a:cs typeface="Georgia"/>
+              </a:rPr>
+              <a:t> </a:t>
+            </a:r>
+            <a:r>
+              <a:rPr sz="1900" dirty="0">
+                <a:highlight>
+                  <a:srgbClr val="FFFF00"/>
+                </a:highlight>
                 <a:latin typeface="Georgia"/>
                 <a:cs typeface="Georgia"/>
               </a:rPr>
@@ -36204,13 +37092,19 @@
             </a:r>
             <a:r>
               <a:rPr sz="1900" spc="-5" dirty="0">
-                <a:latin typeface="Georgia"/>
-                <a:cs typeface="Georgia"/>
-              </a:rPr>
-              <a:t> </a:t>
-            </a:r>
-            <a:r>
-              <a:rPr sz="1900" dirty="0">
+                <a:highlight>
+                  <a:srgbClr val="FFFF00"/>
+                </a:highlight>
+                <a:latin typeface="Georgia"/>
+                <a:cs typeface="Georgia"/>
+              </a:rPr>
+              <a:t> </a:t>
+            </a:r>
+            <a:r>
+              <a:rPr sz="1900" dirty="0">
+                <a:highlight>
+                  <a:srgbClr val="FFFF00"/>
+                </a:highlight>
                 <a:latin typeface="Georgia"/>
                 <a:cs typeface="Georgia"/>
               </a:rPr>
@@ -36218,13 +37112,19 @@
             </a:r>
             <a:r>
               <a:rPr sz="1900" spc="-45" dirty="0">
-                <a:latin typeface="Georgia"/>
-                <a:cs typeface="Georgia"/>
-              </a:rPr>
-              <a:t> </a:t>
-            </a:r>
-            <a:r>
-              <a:rPr sz="1900" dirty="0">
+                <a:highlight>
+                  <a:srgbClr val="FFFF00"/>
+                </a:highlight>
+                <a:latin typeface="Georgia"/>
+                <a:cs typeface="Georgia"/>
+              </a:rPr>
+              <a:t> </a:t>
+            </a:r>
+            <a:r>
+              <a:rPr sz="1900" dirty="0">
+                <a:highlight>
+                  <a:srgbClr val="FFFF00"/>
+                </a:highlight>
                 <a:latin typeface="Georgia"/>
                 <a:cs typeface="Georgia"/>
               </a:rPr>
@@ -36232,6 +37132,9 @@
             </a:r>
             <a:r>
               <a:rPr sz="1900" spc="-25" dirty="0">
+                <a:highlight>
+                  <a:srgbClr val="FFFF00"/>
+                </a:highlight>
                 <a:latin typeface="Georgia"/>
                 <a:cs typeface="Georgia"/>
               </a:rPr>
@@ -36239,6 +37142,9 @@
             </a:r>
             <a:r>
               <a:rPr sz="1900" spc="-10" dirty="0">
+                <a:highlight>
+                  <a:srgbClr val="FFFF00"/>
+                </a:highlight>
                 <a:latin typeface="Georgia"/>
                 <a:cs typeface="Georgia"/>
               </a:rPr>
@@ -36246,6 +37152,9 @@
             </a:r>
             <a:r>
               <a:rPr sz="1900" dirty="0">
+                <a:highlight>
+                  <a:srgbClr val="FFFF00"/>
+                </a:highlight>
                 <a:latin typeface="Georgia"/>
                 <a:cs typeface="Georgia"/>
               </a:rPr>
@@ -36253,6 +37162,9 @@
             </a:r>
             <a:r>
               <a:rPr sz="1900" spc="-40" dirty="0">
+                <a:highlight>
+                  <a:srgbClr val="FFFF00"/>
+                </a:highlight>
                 <a:latin typeface="Georgia"/>
                 <a:cs typeface="Georgia"/>
               </a:rPr>
@@ -36260,12 +37172,18 @@
             </a:r>
             <a:r>
               <a:rPr sz="1900" spc="-10" dirty="0">
+                <a:highlight>
+                  <a:srgbClr val="FFFF00"/>
+                </a:highlight>
                 <a:latin typeface="Georgia"/>
                 <a:cs typeface="Georgia"/>
               </a:rPr>
               <a:t>bővítése.</a:t>
             </a:r>
             <a:endParaRPr sz="1900" dirty="0">
+              <a:highlight>
+                <a:srgbClr val="FFFF00"/>
+              </a:highlight>
               <a:latin typeface="Georgia"/>
               <a:cs typeface="Georgia"/>
             </a:endParaRPr>
